--- a/요구사항 확인-허은혜.pptx
+++ b/요구사항 확인-허은혜.pptx
@@ -11116,31 +11116,6 @@
           </a:p>
         </p:txBody>
       </p:sp>
-      <p:sp>
-        <p:nvSpPr>
-          <p:cNvPr id="3" name="부제목 2">
-            <a:extLst>
-              <a:ext uri="{FF2B5EF4-FFF2-40B4-BE49-F238E27FC236}">
-                <a16:creationId xmlns:a16="http://schemas.microsoft.com/office/drawing/2014/main" id="{FE5903A4-4FF1-47BD-AF46-191E28A10E26}"/>
-              </a:ext>
-            </a:extLst>
-          </p:cNvPr>
-          <p:cNvSpPr>
-            <a:spLocks noGrp="1"/>
-          </p:cNvSpPr>
-          <p:nvPr>
-            <p:ph type="subTitle" idx="1"/>
-          </p:nvPr>
-        </p:nvSpPr>
-        <p:spPr/>
-        <p:txBody>
-          <a:bodyPr/>
-          <a:lstStyle/>
-          <a:p>
-            <a:endParaRPr lang="ko-KR" altLang="en-US"/>
-          </a:p>
-        </p:txBody>
-      </p:sp>
     </p:spTree>
     <p:extLst>
       <p:ext uri="{BB962C8B-B14F-4D97-AF65-F5344CB8AC3E}">
@@ -13656,15 +13631,7 @@
           <a:p>
             <a:r>
               <a:rPr lang="ko-KR" altLang="en-US" sz="1200" dirty="0"/>
-              <a:t>모바일 사이즈로 </a:t>
-            </a:r>
-            <a:r>
-              <a:rPr lang="ko-KR" altLang="en-US" sz="1200" dirty="0" err="1"/>
-              <a:t>축소시</a:t>
-            </a:r>
-            <a:r>
-              <a:rPr lang="ko-KR" altLang="en-US" sz="1200" dirty="0"/>
-              <a:t> 햄버거버튼으로 변경</a:t>
+              <a:t>모바일 사이즈로 축소 시 햄버거버튼으로 변경</a:t>
             </a:r>
           </a:p>
         </p:txBody>
@@ -15173,15 +15140,7 @@
           <a:p>
             <a:r>
               <a:rPr lang="ko-KR" altLang="en-US" sz="1200" dirty="0"/>
-              <a:t>모바일 사이즈로 </a:t>
-            </a:r>
-            <a:r>
-              <a:rPr lang="ko-KR" altLang="en-US" sz="1200" dirty="0" err="1"/>
-              <a:t>축소시</a:t>
-            </a:r>
-            <a:r>
-              <a:rPr lang="ko-KR" altLang="en-US" sz="1200" dirty="0"/>
-              <a:t> 내용이 하단으로 이동</a:t>
+              <a:t>모바일 사이즈로 축소 시 내용이 하단으로 이동</a:t>
             </a:r>
             <a:endParaRPr lang="en-US" altLang="ko-KR" sz="1200" dirty="0"/>
           </a:p>
@@ -16101,7 +16060,7 @@
         <p:spPr>
           <a:xfrm>
             <a:off x="6855888" y="6244947"/>
-            <a:ext cx="2300630" cy="276999"/>
+            <a:ext cx="2339102" cy="276999"/>
           </a:xfrm>
           <a:prstGeom prst="rect">
             <a:avLst/>
@@ -16115,12 +16074,8 @@
           <a:lstStyle/>
           <a:p>
             <a:r>
-              <a:rPr lang="ko-KR" altLang="en-US" sz="1200" dirty="0" err="1"/>
-              <a:t>클릭시</a:t>
-            </a:r>
-            <a:r>
               <a:rPr lang="ko-KR" altLang="en-US" sz="1200" dirty="0"/>
-              <a:t> 상단으로 이동하는 버튼</a:t>
+              <a:t>클릭 시 상단으로 이동하는 버튼</a:t>
             </a:r>
             <a:endParaRPr lang="en-US" altLang="ko-KR" sz="1200" dirty="0"/>
           </a:p>
@@ -20541,7 +20496,7 @@
         </p:nvSpPr>
         <p:spPr>
           <a:xfrm>
-            <a:off x="5785665" y="716153"/>
+            <a:off x="5831362" y="432839"/>
             <a:ext cx="3058851" cy="369332"/>
           </a:xfrm>
           <a:prstGeom prst="rect">
@@ -20556,15 +20511,15 @@
           <a:lstStyle/>
           <a:p>
             <a:r>
-              <a:rPr lang="ko-KR" altLang="en-US" dirty="0"/>
+              <a:rPr lang="ko-KR" altLang="en-US" b="1" dirty="0"/>
               <a:t>웹페이지 버전 </a:t>
             </a:r>
             <a:r>
-              <a:rPr lang="en-US" altLang="ko-KR" dirty="0"/>
+              <a:rPr lang="en-US" altLang="ko-KR" b="1" dirty="0"/>
               <a:t>/ </a:t>
             </a:r>
             <a:r>
-              <a:rPr lang="ko-KR" altLang="en-US" dirty="0"/>
+              <a:rPr lang="ko-KR" altLang="en-US" b="1" dirty="0"/>
               <a:t>모바일 버전</a:t>
             </a:r>
           </a:p>
@@ -20586,8 +20541,8 @@
         </p:nvCxnSpPr>
         <p:spPr bwMode="auto">
           <a:xfrm flipV="1">
-            <a:off x="9022295" y="483898"/>
-            <a:ext cx="2818270" cy="1363813"/>
+            <a:off x="9022295" y="489241"/>
+            <a:ext cx="2778330" cy="1358470"/>
           </a:xfrm>
           <a:prstGeom prst="line">
             <a:avLst/>

--- a/요구사항 확인-허은혜.pptx
+++ b/요구사항 확인-허은혜.pptx
@@ -11363,7 +11363,7 @@
             </a:r>
             <a:r>
               <a:rPr lang="ko-KR" altLang="en-US" sz="2800" dirty="0"/>
-              <a:t>벤치마킹 분석</a:t>
+              <a:t>벤치마킹 요구사항 분석</a:t>
             </a:r>
             <a:endParaRPr lang="en-US" altLang="ko-KR" sz="2800" dirty="0"/>
           </a:p>
@@ -12152,7 +12152,7 @@
         <p:spPr>
           <a:xfrm>
             <a:off x="5100824" y="685800"/>
-            <a:ext cx="6176776" cy="1485900"/>
+            <a:ext cx="6702486" cy="1485900"/>
           </a:xfrm>
         </p:spPr>
         <p:txBody>
@@ -12167,9 +12167,8 @@
             </a:r>
             <a:r>
               <a:rPr lang="ko-KR" altLang="en-US" dirty="0"/>
-              <a:t>벤치마킹 분석</a:t>
-            </a:r>
-            <a:endParaRPr lang="ko-KR" altLang="en-US"/>
+              <a:t>벤치마킹 요구사항 분석</a:t>
+            </a:r>
           </a:p>
         </p:txBody>
       </p:sp>
@@ -12490,8 +12489,8 @@
         </p:nvSpPr>
         <p:spPr>
           <a:xfrm>
-            <a:off x="5100824" y="685800"/>
-            <a:ext cx="6176776" cy="1485900"/>
+            <a:off x="5100823" y="685800"/>
+            <a:ext cx="6675455" cy="1485900"/>
           </a:xfrm>
         </p:spPr>
         <p:txBody>
@@ -12506,9 +12505,8 @@
             </a:r>
             <a:r>
               <a:rPr lang="ko-KR" altLang="en-US" dirty="0"/>
-              <a:t>벤치마킹 분석</a:t>
-            </a:r>
-            <a:endParaRPr lang="ko-KR" altLang="en-US"/>
+              <a:t>벤치마킹 요구사항 분석</a:t>
+            </a:r>
           </a:p>
         </p:txBody>
       </p:sp>
@@ -13598,7 +13596,7 @@
         <p:spPr>
           <a:xfrm>
             <a:off x="6678152" y="1404162"/>
-            <a:ext cx="4647426" cy="461665"/>
+            <a:ext cx="4685898" cy="646331"/>
           </a:xfrm>
           <a:prstGeom prst="rect">
             <a:avLst/>
@@ -13633,6 +13631,10 @@
               <a:rPr lang="ko-KR" altLang="en-US" sz="1200" dirty="0"/>
               <a:t>모바일 사이즈로 축소 시 햄버거버튼으로 변경</a:t>
             </a:r>
+            <a:endParaRPr lang="en-US" altLang="ko-KR" sz="1200" dirty="0"/>
+          </a:p>
+          <a:p>
+            <a:endParaRPr lang="ko-KR" altLang="en-US" sz="1200" dirty="0"/>
           </a:p>
         </p:txBody>
       </p:sp>

--- a/요구사항 확인-허은혜.pptx
+++ b/요구사항 확인-허은혜.pptx
@@ -1659,6 +1659,232 @@
         </a:p>
       </dgm:t>
     </dgm:pt>
+    <dgm:pt modelId="{DC20BFFE-0032-4706-A460-39354C8783A3}">
+      <dgm:prSet phldrT="[텍스트]" custT="1"/>
+      <dgm:spPr/>
+      <dgm:t>
+        <a:bodyPr/>
+        <a:lstStyle/>
+        <a:p>
+          <a:pPr latinLnBrk="1"/>
+          <a:r>
+            <a:rPr lang="ko-KR" altLang="en-US" sz="1200" dirty="0">
+              <a:latin typeface="+mj-ea"/>
+              <a:ea typeface="+mj-ea"/>
+            </a:rPr>
+            <a:t>메뉴</a:t>
+          </a:r>
+        </a:p>
+      </dgm:t>
+    </dgm:pt>
+    <dgm:pt modelId="{BBFED8E5-FDD6-47AB-B610-6616AE22B8C5}" type="parTrans" cxnId="{EBFA4165-21FB-44F5-9512-329E590E021B}">
+      <dgm:prSet/>
+      <dgm:spPr/>
+      <dgm:t>
+        <a:bodyPr/>
+        <a:lstStyle/>
+        <a:p>
+          <a:pPr latinLnBrk="1"/>
+          <a:endParaRPr lang="ko-KR" altLang="en-US"/>
+        </a:p>
+      </dgm:t>
+    </dgm:pt>
+    <dgm:pt modelId="{2863CAE6-FFA8-440D-9258-7134A15ABFB9}" type="sibTrans" cxnId="{EBFA4165-21FB-44F5-9512-329E590E021B}">
+      <dgm:prSet/>
+      <dgm:spPr/>
+      <dgm:t>
+        <a:bodyPr/>
+        <a:lstStyle/>
+        <a:p>
+          <a:pPr latinLnBrk="1"/>
+          <a:endParaRPr lang="ko-KR" altLang="en-US"/>
+        </a:p>
+      </dgm:t>
+    </dgm:pt>
+    <dgm:pt modelId="{C05EBF74-28B6-4A33-869E-57CEF8FA9427}">
+      <dgm:prSet phldrT="[텍스트]" custT="1"/>
+      <dgm:spPr/>
+      <dgm:t>
+        <a:bodyPr/>
+        <a:lstStyle/>
+        <a:p>
+          <a:pPr latinLnBrk="1"/>
+          <a:r>
+            <a:rPr lang="en-US" altLang="ko-KR" sz="1200" dirty="0">
+              <a:latin typeface="+mj-ea"/>
+              <a:ea typeface="+mj-ea"/>
+            </a:rPr>
+            <a:t>HOME</a:t>
+          </a:r>
+          <a:endParaRPr lang="ko-KR" altLang="en-US" sz="1200" dirty="0">
+            <a:latin typeface="+mj-ea"/>
+            <a:ea typeface="+mj-ea"/>
+          </a:endParaRPr>
+        </a:p>
+      </dgm:t>
+    </dgm:pt>
+    <dgm:pt modelId="{1D06480A-432B-47E2-926A-4D929BDA9E52}" type="parTrans" cxnId="{138A3DAA-68E5-41B7-A373-5BC5633A61BE}">
+      <dgm:prSet/>
+      <dgm:spPr/>
+      <dgm:t>
+        <a:bodyPr/>
+        <a:lstStyle/>
+        <a:p>
+          <a:pPr latinLnBrk="1"/>
+          <a:endParaRPr lang="ko-KR" altLang="en-US"/>
+        </a:p>
+      </dgm:t>
+    </dgm:pt>
+    <dgm:pt modelId="{80F67417-B2DF-4888-891B-2AC3244CE352}" type="sibTrans" cxnId="{138A3DAA-68E5-41B7-A373-5BC5633A61BE}">
+      <dgm:prSet/>
+      <dgm:spPr/>
+      <dgm:t>
+        <a:bodyPr/>
+        <a:lstStyle/>
+        <a:p>
+          <a:pPr latinLnBrk="1"/>
+          <a:endParaRPr lang="ko-KR" altLang="en-US"/>
+        </a:p>
+      </dgm:t>
+    </dgm:pt>
+    <dgm:pt modelId="{62644A5A-FF19-4F0F-B78B-A977C77D01EC}">
+      <dgm:prSet phldrT="[텍스트]" custT="1"/>
+      <dgm:spPr/>
+      <dgm:t>
+        <a:bodyPr/>
+        <a:lstStyle/>
+        <a:p>
+          <a:pPr latinLnBrk="1"/>
+          <a:r>
+            <a:rPr lang="en-US" altLang="ko-KR" sz="1200" dirty="0">
+              <a:latin typeface="+mj-ea"/>
+              <a:ea typeface="+mj-ea"/>
+            </a:rPr>
+            <a:t>ABOUT ME</a:t>
+          </a:r>
+          <a:endParaRPr lang="ko-KR" altLang="en-US" sz="1200" dirty="0">
+            <a:latin typeface="+mj-ea"/>
+            <a:ea typeface="+mj-ea"/>
+          </a:endParaRPr>
+        </a:p>
+      </dgm:t>
+    </dgm:pt>
+    <dgm:pt modelId="{3231A186-D624-497D-A61C-B682A333443C}" type="parTrans" cxnId="{6D6DAEB8-8739-48EC-A1A1-A5C296528384}">
+      <dgm:prSet/>
+      <dgm:spPr/>
+      <dgm:t>
+        <a:bodyPr/>
+        <a:lstStyle/>
+        <a:p>
+          <a:pPr latinLnBrk="1"/>
+          <a:endParaRPr lang="ko-KR" altLang="en-US"/>
+        </a:p>
+      </dgm:t>
+    </dgm:pt>
+    <dgm:pt modelId="{851AF63D-EBF9-4CCE-972A-68DF00F0DA91}" type="sibTrans" cxnId="{6D6DAEB8-8739-48EC-A1A1-A5C296528384}">
+      <dgm:prSet/>
+      <dgm:spPr/>
+      <dgm:t>
+        <a:bodyPr/>
+        <a:lstStyle/>
+        <a:p>
+          <a:pPr latinLnBrk="1"/>
+          <a:endParaRPr lang="ko-KR" altLang="en-US"/>
+        </a:p>
+      </dgm:t>
+    </dgm:pt>
+    <dgm:pt modelId="{92D83145-6269-49D3-8F76-7784476F43FD}">
+      <dgm:prSet phldrT="[텍스트]" custT="1"/>
+      <dgm:spPr/>
+      <dgm:t>
+        <a:bodyPr/>
+        <a:lstStyle/>
+        <a:p>
+          <a:pPr latinLnBrk="1"/>
+          <a:r>
+            <a:rPr lang="en-US" altLang="ko-KR" sz="1200" dirty="0">
+              <a:latin typeface="+mj-ea"/>
+              <a:ea typeface="+mj-ea"/>
+            </a:rPr>
+            <a:t>PRODUCTS</a:t>
+          </a:r>
+          <a:endParaRPr lang="ko-KR" altLang="en-US" sz="1200" dirty="0">
+            <a:latin typeface="+mj-ea"/>
+            <a:ea typeface="+mj-ea"/>
+          </a:endParaRPr>
+        </a:p>
+      </dgm:t>
+    </dgm:pt>
+    <dgm:pt modelId="{90ECD004-2BD7-4B89-B5E8-2A554B37F3D8}" type="parTrans" cxnId="{90B8445E-C88B-4213-9BF7-98A29FF13C46}">
+      <dgm:prSet/>
+      <dgm:spPr/>
+      <dgm:t>
+        <a:bodyPr/>
+        <a:lstStyle/>
+        <a:p>
+          <a:pPr latinLnBrk="1"/>
+          <a:endParaRPr lang="ko-KR" altLang="en-US"/>
+        </a:p>
+      </dgm:t>
+    </dgm:pt>
+    <dgm:pt modelId="{D898A633-DE63-4AE2-B122-E7ACC101A85E}" type="sibTrans" cxnId="{90B8445E-C88B-4213-9BF7-98A29FF13C46}">
+      <dgm:prSet/>
+      <dgm:spPr/>
+      <dgm:t>
+        <a:bodyPr/>
+        <a:lstStyle/>
+        <a:p>
+          <a:pPr latinLnBrk="1"/>
+          <a:endParaRPr lang="ko-KR" altLang="en-US"/>
+        </a:p>
+      </dgm:t>
+    </dgm:pt>
+    <dgm:pt modelId="{99DAF21E-B6BD-49AD-BFC9-0C4AFA428B61}">
+      <dgm:prSet phldrT="[텍스트]" custT="1"/>
+      <dgm:spPr/>
+      <dgm:t>
+        <a:bodyPr/>
+        <a:lstStyle/>
+        <a:p>
+          <a:pPr latinLnBrk="1"/>
+          <a:r>
+            <a:rPr lang="en-US" altLang="ko-KR" sz="1200" dirty="0">
+              <a:latin typeface="+mj-ea"/>
+              <a:ea typeface="+mj-ea"/>
+            </a:rPr>
+            <a:t>CONTACT</a:t>
+          </a:r>
+          <a:endParaRPr lang="ko-KR" altLang="en-US" sz="1200" dirty="0">
+            <a:latin typeface="+mj-ea"/>
+            <a:ea typeface="+mj-ea"/>
+          </a:endParaRPr>
+        </a:p>
+      </dgm:t>
+    </dgm:pt>
+    <dgm:pt modelId="{8BF99DF1-0211-4D87-8F38-B4685A190DDA}" type="parTrans" cxnId="{63A8F17D-744E-4CEC-BEFA-E28D39F54F2D}">
+      <dgm:prSet/>
+      <dgm:spPr/>
+      <dgm:t>
+        <a:bodyPr/>
+        <a:lstStyle/>
+        <a:p>
+          <a:pPr latinLnBrk="1"/>
+          <a:endParaRPr lang="ko-KR" altLang="en-US"/>
+        </a:p>
+      </dgm:t>
+    </dgm:pt>
+    <dgm:pt modelId="{8CA2707D-7310-49E3-AE44-4EBD389E3F12}" type="sibTrans" cxnId="{63A8F17D-744E-4CEC-BEFA-E28D39F54F2D}">
+      <dgm:prSet/>
+      <dgm:spPr/>
+      <dgm:t>
+        <a:bodyPr/>
+        <a:lstStyle/>
+        <a:p>
+          <a:pPr latinLnBrk="1"/>
+          <a:endParaRPr lang="ko-KR" altLang="en-US"/>
+        </a:p>
+      </dgm:t>
+    </dgm:pt>
     <dgm:pt modelId="{D3924583-3B5C-4B56-BC8E-72056BD3C876}" type="pres">
       <dgm:prSet presAssocID="{32ADAE09-8135-417C-AEB3-3D9514C94531}" presName="hierChild1" presStyleCnt="0">
         <dgm:presLayoutVars>
@@ -1730,6 +1956,186 @@
     </dgm:pt>
     <dgm:pt modelId="{9CF3FC26-C491-45BA-B5F1-6F90D46FC75B}" type="pres">
       <dgm:prSet presAssocID="{06D48B4E-5000-46F4-A5C2-7ED98602FDB8}" presName="hierChild4" presStyleCnt="0"/>
+      <dgm:spPr/>
+    </dgm:pt>
+    <dgm:pt modelId="{9105FE60-D84F-466E-8133-0B9C7DB7410B}" type="pres">
+      <dgm:prSet presAssocID="{BBFED8E5-FDD6-47AB-B610-6616AE22B8C5}" presName="Name37" presStyleLbl="parChTrans1D3" presStyleIdx="0" presStyleCnt="12"/>
+      <dgm:spPr/>
+    </dgm:pt>
+    <dgm:pt modelId="{3ECA99BC-8F50-49E3-B8B6-51FCFEC7BB66}" type="pres">
+      <dgm:prSet presAssocID="{DC20BFFE-0032-4706-A460-39354C8783A3}" presName="hierRoot2" presStyleCnt="0">
+        <dgm:presLayoutVars>
+          <dgm:hierBranch val="init"/>
+        </dgm:presLayoutVars>
+      </dgm:prSet>
+      <dgm:spPr/>
+    </dgm:pt>
+    <dgm:pt modelId="{E2DAA100-8FFD-4488-858B-6033D7CE8587}" type="pres">
+      <dgm:prSet presAssocID="{DC20BFFE-0032-4706-A460-39354C8783A3}" presName="rootComposite" presStyleCnt="0"/>
+      <dgm:spPr/>
+    </dgm:pt>
+    <dgm:pt modelId="{8A23FB50-195A-48F1-944A-280F62127D34}" type="pres">
+      <dgm:prSet presAssocID="{DC20BFFE-0032-4706-A460-39354C8783A3}" presName="rootText" presStyleLbl="node3" presStyleIdx="0" presStyleCnt="12">
+        <dgm:presLayoutVars>
+          <dgm:chPref val="3"/>
+        </dgm:presLayoutVars>
+      </dgm:prSet>
+      <dgm:spPr/>
+    </dgm:pt>
+    <dgm:pt modelId="{AB1A8BE8-B449-4A2C-B62D-103C8D9973A8}" type="pres">
+      <dgm:prSet presAssocID="{DC20BFFE-0032-4706-A460-39354C8783A3}" presName="rootConnector" presStyleLbl="node3" presStyleIdx="0" presStyleCnt="12"/>
+      <dgm:spPr/>
+    </dgm:pt>
+    <dgm:pt modelId="{CE9F4E28-3BDA-4CC4-A1F0-F6DF430F78CC}" type="pres">
+      <dgm:prSet presAssocID="{DC20BFFE-0032-4706-A460-39354C8783A3}" presName="hierChild4" presStyleCnt="0"/>
+      <dgm:spPr/>
+    </dgm:pt>
+    <dgm:pt modelId="{369B8DBF-0DE6-4A8E-BE42-62C5F2B3B683}" type="pres">
+      <dgm:prSet presAssocID="{1D06480A-432B-47E2-926A-4D929BDA9E52}" presName="Name37" presStyleLbl="parChTrans1D4" presStyleIdx="0" presStyleCnt="4"/>
+      <dgm:spPr/>
+    </dgm:pt>
+    <dgm:pt modelId="{7A2A93AA-7C8D-46C4-8149-C73D125224AF}" type="pres">
+      <dgm:prSet presAssocID="{C05EBF74-28B6-4A33-869E-57CEF8FA9427}" presName="hierRoot2" presStyleCnt="0">
+        <dgm:presLayoutVars>
+          <dgm:hierBranch val="init"/>
+        </dgm:presLayoutVars>
+      </dgm:prSet>
+      <dgm:spPr/>
+    </dgm:pt>
+    <dgm:pt modelId="{2C302587-61B7-46AB-B404-1386BE5E3650}" type="pres">
+      <dgm:prSet presAssocID="{C05EBF74-28B6-4A33-869E-57CEF8FA9427}" presName="rootComposite" presStyleCnt="0"/>
+      <dgm:spPr/>
+    </dgm:pt>
+    <dgm:pt modelId="{70C84585-4B11-44D7-8B09-8A8E107AC519}" type="pres">
+      <dgm:prSet presAssocID="{C05EBF74-28B6-4A33-869E-57CEF8FA9427}" presName="rootText" presStyleLbl="node4" presStyleIdx="0" presStyleCnt="4">
+        <dgm:presLayoutVars>
+          <dgm:chPref val="3"/>
+        </dgm:presLayoutVars>
+      </dgm:prSet>
+      <dgm:spPr/>
+    </dgm:pt>
+    <dgm:pt modelId="{19BF48E0-6394-4380-921C-573B50BE1283}" type="pres">
+      <dgm:prSet presAssocID="{C05EBF74-28B6-4A33-869E-57CEF8FA9427}" presName="rootConnector" presStyleLbl="node4" presStyleIdx="0" presStyleCnt="4"/>
+      <dgm:spPr/>
+    </dgm:pt>
+    <dgm:pt modelId="{AF9A1593-0916-429B-BADD-50AE6F4AF0FC}" type="pres">
+      <dgm:prSet presAssocID="{C05EBF74-28B6-4A33-869E-57CEF8FA9427}" presName="hierChild4" presStyleCnt="0"/>
+      <dgm:spPr/>
+    </dgm:pt>
+    <dgm:pt modelId="{37FD9001-1CC4-4C06-82B5-667E9E2A0FC4}" type="pres">
+      <dgm:prSet presAssocID="{C05EBF74-28B6-4A33-869E-57CEF8FA9427}" presName="hierChild5" presStyleCnt="0"/>
+      <dgm:spPr/>
+    </dgm:pt>
+    <dgm:pt modelId="{BAF03171-743F-44EA-8B9D-E60205AEB0EC}" type="pres">
+      <dgm:prSet presAssocID="{3231A186-D624-497D-A61C-B682A333443C}" presName="Name37" presStyleLbl="parChTrans1D4" presStyleIdx="1" presStyleCnt="4"/>
+      <dgm:spPr/>
+    </dgm:pt>
+    <dgm:pt modelId="{BE52C3EB-2B18-4D1B-AC05-AC989A7A3220}" type="pres">
+      <dgm:prSet presAssocID="{62644A5A-FF19-4F0F-B78B-A977C77D01EC}" presName="hierRoot2" presStyleCnt="0">
+        <dgm:presLayoutVars>
+          <dgm:hierBranch val="init"/>
+        </dgm:presLayoutVars>
+      </dgm:prSet>
+      <dgm:spPr/>
+    </dgm:pt>
+    <dgm:pt modelId="{C020E8F3-00B7-4C76-BC5B-4B42BD5AFAC0}" type="pres">
+      <dgm:prSet presAssocID="{62644A5A-FF19-4F0F-B78B-A977C77D01EC}" presName="rootComposite" presStyleCnt="0"/>
+      <dgm:spPr/>
+    </dgm:pt>
+    <dgm:pt modelId="{6D76F778-BC2B-449A-A2B8-ABDE4553779A}" type="pres">
+      <dgm:prSet presAssocID="{62644A5A-FF19-4F0F-B78B-A977C77D01EC}" presName="rootText" presStyleLbl="node4" presStyleIdx="1" presStyleCnt="4">
+        <dgm:presLayoutVars>
+          <dgm:chPref val="3"/>
+        </dgm:presLayoutVars>
+      </dgm:prSet>
+      <dgm:spPr/>
+    </dgm:pt>
+    <dgm:pt modelId="{5F62183B-1F3B-4564-9333-4D54B90B98FD}" type="pres">
+      <dgm:prSet presAssocID="{62644A5A-FF19-4F0F-B78B-A977C77D01EC}" presName="rootConnector" presStyleLbl="node4" presStyleIdx="1" presStyleCnt="4"/>
+      <dgm:spPr/>
+    </dgm:pt>
+    <dgm:pt modelId="{EAFD3836-4653-48EB-8C19-72D5ECBEAF84}" type="pres">
+      <dgm:prSet presAssocID="{62644A5A-FF19-4F0F-B78B-A977C77D01EC}" presName="hierChild4" presStyleCnt="0"/>
+      <dgm:spPr/>
+    </dgm:pt>
+    <dgm:pt modelId="{BF5C0DEB-1015-4724-BFAB-1FD1AD237868}" type="pres">
+      <dgm:prSet presAssocID="{62644A5A-FF19-4F0F-B78B-A977C77D01EC}" presName="hierChild5" presStyleCnt="0"/>
+      <dgm:spPr/>
+    </dgm:pt>
+    <dgm:pt modelId="{DD667EEE-07EB-4603-8F24-93C680AE968A}" type="pres">
+      <dgm:prSet presAssocID="{90ECD004-2BD7-4B89-B5E8-2A554B37F3D8}" presName="Name37" presStyleLbl="parChTrans1D4" presStyleIdx="2" presStyleCnt="4"/>
+      <dgm:spPr/>
+    </dgm:pt>
+    <dgm:pt modelId="{6B1F6C8D-D719-4550-96A1-DE61063D8520}" type="pres">
+      <dgm:prSet presAssocID="{92D83145-6269-49D3-8F76-7784476F43FD}" presName="hierRoot2" presStyleCnt="0">
+        <dgm:presLayoutVars>
+          <dgm:hierBranch val="init"/>
+        </dgm:presLayoutVars>
+      </dgm:prSet>
+      <dgm:spPr/>
+    </dgm:pt>
+    <dgm:pt modelId="{749D6574-158C-4921-B9D4-77A285293615}" type="pres">
+      <dgm:prSet presAssocID="{92D83145-6269-49D3-8F76-7784476F43FD}" presName="rootComposite" presStyleCnt="0"/>
+      <dgm:spPr/>
+    </dgm:pt>
+    <dgm:pt modelId="{5D0604CE-213A-4684-8BBF-D4B40AD66A26}" type="pres">
+      <dgm:prSet presAssocID="{92D83145-6269-49D3-8F76-7784476F43FD}" presName="rootText" presStyleLbl="node4" presStyleIdx="2" presStyleCnt="4">
+        <dgm:presLayoutVars>
+          <dgm:chPref val="3"/>
+        </dgm:presLayoutVars>
+      </dgm:prSet>
+      <dgm:spPr/>
+    </dgm:pt>
+    <dgm:pt modelId="{DE8B162A-1A60-4B66-9B83-321A13B8ABEC}" type="pres">
+      <dgm:prSet presAssocID="{92D83145-6269-49D3-8F76-7784476F43FD}" presName="rootConnector" presStyleLbl="node4" presStyleIdx="2" presStyleCnt="4"/>
+      <dgm:spPr/>
+    </dgm:pt>
+    <dgm:pt modelId="{797EAFD4-CFB6-4B9B-919A-484F16E558EB}" type="pres">
+      <dgm:prSet presAssocID="{92D83145-6269-49D3-8F76-7784476F43FD}" presName="hierChild4" presStyleCnt="0"/>
+      <dgm:spPr/>
+    </dgm:pt>
+    <dgm:pt modelId="{2EF57AC2-1310-41B8-84DA-9DEC65060017}" type="pres">
+      <dgm:prSet presAssocID="{92D83145-6269-49D3-8F76-7784476F43FD}" presName="hierChild5" presStyleCnt="0"/>
+      <dgm:spPr/>
+    </dgm:pt>
+    <dgm:pt modelId="{7405E4C0-93C6-4B0D-A9ED-459FB3B4FD35}" type="pres">
+      <dgm:prSet presAssocID="{8BF99DF1-0211-4D87-8F38-B4685A190DDA}" presName="Name37" presStyleLbl="parChTrans1D4" presStyleIdx="3" presStyleCnt="4"/>
+      <dgm:spPr/>
+    </dgm:pt>
+    <dgm:pt modelId="{D9AB4213-5EEF-47C2-9B29-8BB392CB7D64}" type="pres">
+      <dgm:prSet presAssocID="{99DAF21E-B6BD-49AD-BFC9-0C4AFA428B61}" presName="hierRoot2" presStyleCnt="0">
+        <dgm:presLayoutVars>
+          <dgm:hierBranch val="init"/>
+        </dgm:presLayoutVars>
+      </dgm:prSet>
+      <dgm:spPr/>
+    </dgm:pt>
+    <dgm:pt modelId="{613247E3-0A54-4B94-8A18-FD60FBD90EB4}" type="pres">
+      <dgm:prSet presAssocID="{99DAF21E-B6BD-49AD-BFC9-0C4AFA428B61}" presName="rootComposite" presStyleCnt="0"/>
+      <dgm:spPr/>
+    </dgm:pt>
+    <dgm:pt modelId="{2DA99311-C7B6-497F-8EB4-D03757E8CB75}" type="pres">
+      <dgm:prSet presAssocID="{99DAF21E-B6BD-49AD-BFC9-0C4AFA428B61}" presName="rootText" presStyleLbl="node4" presStyleIdx="3" presStyleCnt="4">
+        <dgm:presLayoutVars>
+          <dgm:chPref val="3"/>
+        </dgm:presLayoutVars>
+      </dgm:prSet>
+      <dgm:spPr/>
+    </dgm:pt>
+    <dgm:pt modelId="{0E80A1C6-F478-4D6E-A6E2-C4943003C3C5}" type="pres">
+      <dgm:prSet presAssocID="{99DAF21E-B6BD-49AD-BFC9-0C4AFA428B61}" presName="rootConnector" presStyleLbl="node4" presStyleIdx="3" presStyleCnt="4"/>
+      <dgm:spPr/>
+    </dgm:pt>
+    <dgm:pt modelId="{77F5553C-1432-45C8-B924-DA304F000C4E}" type="pres">
+      <dgm:prSet presAssocID="{99DAF21E-B6BD-49AD-BFC9-0C4AFA428B61}" presName="hierChild4" presStyleCnt="0"/>
+      <dgm:spPr/>
+    </dgm:pt>
+    <dgm:pt modelId="{92BCEE57-4130-4E60-AE87-0182C7455888}" type="pres">
+      <dgm:prSet presAssocID="{99DAF21E-B6BD-49AD-BFC9-0C4AFA428B61}" presName="hierChild5" presStyleCnt="0"/>
+      <dgm:spPr/>
+    </dgm:pt>
+    <dgm:pt modelId="{E5C0F265-2618-45ED-82D9-069062504FBC}" type="pres">
+      <dgm:prSet presAssocID="{DC20BFFE-0032-4706-A460-39354C8783A3}" presName="hierChild5" presStyleCnt="0"/>
       <dgm:spPr/>
     </dgm:pt>
     <dgm:pt modelId="{3D2EA382-AE32-48D1-AD88-B324B9D3C2EE}" type="pres">
@@ -1805,7 +2211,7 @@
       <dgm:spPr/>
     </dgm:pt>
     <dgm:pt modelId="{A48906EA-8F4A-4C53-9B96-36E1772D0D53}" type="pres">
-      <dgm:prSet presAssocID="{21524FB1-3E9D-4E0F-A08C-08F66216322F}" presName="Name37" presStyleLbl="parChTrans1D3" presStyleIdx="0" presStyleCnt="11"/>
+      <dgm:prSet presAssocID="{21524FB1-3E9D-4E0F-A08C-08F66216322F}" presName="Name37" presStyleLbl="parChTrans1D3" presStyleIdx="1" presStyleCnt="12"/>
       <dgm:spPr/>
     </dgm:pt>
     <dgm:pt modelId="{A6130391-279C-4587-84C3-A1A20AC9A68B}" type="pres">
@@ -1821,7 +2227,7 @@
       <dgm:spPr/>
     </dgm:pt>
     <dgm:pt modelId="{1B3F4D97-F5DF-4EA9-A33B-EE015C482CB3}" type="pres">
-      <dgm:prSet presAssocID="{45EDC758-A691-4772-BD43-6245E82B80E2}" presName="rootText" presStyleLbl="node3" presStyleIdx="0" presStyleCnt="11">
+      <dgm:prSet presAssocID="{45EDC758-A691-4772-BD43-6245E82B80E2}" presName="rootText" presStyleLbl="node3" presStyleIdx="1" presStyleCnt="12">
         <dgm:presLayoutVars>
           <dgm:chPref val="3"/>
         </dgm:presLayoutVars>
@@ -1829,7 +2235,7 @@
       <dgm:spPr/>
     </dgm:pt>
     <dgm:pt modelId="{66C88322-1BD5-418B-AA6A-CA94E17899BF}" type="pres">
-      <dgm:prSet presAssocID="{45EDC758-A691-4772-BD43-6245E82B80E2}" presName="rootConnector" presStyleLbl="node3" presStyleIdx="0" presStyleCnt="11"/>
+      <dgm:prSet presAssocID="{45EDC758-A691-4772-BD43-6245E82B80E2}" presName="rootConnector" presStyleLbl="node3" presStyleIdx="1" presStyleCnt="12"/>
       <dgm:spPr/>
     </dgm:pt>
     <dgm:pt modelId="{B03055C0-755D-4BAF-86AE-1A516A59E2C0}" type="pres">
@@ -1841,7 +2247,7 @@
       <dgm:spPr/>
     </dgm:pt>
     <dgm:pt modelId="{FFCF0181-8D5C-4F30-ACCA-92968342C88B}" type="pres">
-      <dgm:prSet presAssocID="{8AE4604E-0C9C-40A8-8AAF-11610D8766FB}" presName="Name37" presStyleLbl="parChTrans1D3" presStyleIdx="1" presStyleCnt="11"/>
+      <dgm:prSet presAssocID="{8AE4604E-0C9C-40A8-8AAF-11610D8766FB}" presName="Name37" presStyleLbl="parChTrans1D3" presStyleIdx="2" presStyleCnt="12"/>
       <dgm:spPr/>
     </dgm:pt>
     <dgm:pt modelId="{FA71C057-DB2F-4858-94BA-16D6E2D9042E}" type="pres">
@@ -1857,7 +2263,7 @@
       <dgm:spPr/>
     </dgm:pt>
     <dgm:pt modelId="{A5F603E6-855F-4408-B6BE-7E375786F09B}" type="pres">
-      <dgm:prSet presAssocID="{B10376FD-6368-4B9E-9096-0388D8E507C0}" presName="rootText" presStyleLbl="node3" presStyleIdx="1" presStyleCnt="11">
+      <dgm:prSet presAssocID="{B10376FD-6368-4B9E-9096-0388D8E507C0}" presName="rootText" presStyleLbl="node3" presStyleIdx="2" presStyleCnt="12">
         <dgm:presLayoutVars>
           <dgm:chPref val="3"/>
         </dgm:presLayoutVars>
@@ -1865,7 +2271,7 @@
       <dgm:spPr/>
     </dgm:pt>
     <dgm:pt modelId="{6C314D8E-61A7-422F-BC9E-9AB6471EBF2A}" type="pres">
-      <dgm:prSet presAssocID="{B10376FD-6368-4B9E-9096-0388D8E507C0}" presName="rootConnector" presStyleLbl="node3" presStyleIdx="1" presStyleCnt="11"/>
+      <dgm:prSet presAssocID="{B10376FD-6368-4B9E-9096-0388D8E507C0}" presName="rootConnector" presStyleLbl="node3" presStyleIdx="2" presStyleCnt="12"/>
       <dgm:spPr/>
     </dgm:pt>
     <dgm:pt modelId="{0DB27391-AD63-4917-B15D-CCB85AA95F4F}" type="pres">
@@ -1877,7 +2283,7 @@
       <dgm:spPr/>
     </dgm:pt>
     <dgm:pt modelId="{6C1714FA-424B-4831-81B7-B55C1E4B1369}" type="pres">
-      <dgm:prSet presAssocID="{341BAE9D-0834-4DEA-80F3-015EBEFA25C0}" presName="Name37" presStyleLbl="parChTrans1D3" presStyleIdx="2" presStyleCnt="11"/>
+      <dgm:prSet presAssocID="{341BAE9D-0834-4DEA-80F3-015EBEFA25C0}" presName="Name37" presStyleLbl="parChTrans1D3" presStyleIdx="3" presStyleCnt="12"/>
       <dgm:spPr/>
     </dgm:pt>
     <dgm:pt modelId="{CB008B05-4D60-48CD-BCF8-F17034250C6A}" type="pres">
@@ -1893,7 +2299,7 @@
       <dgm:spPr/>
     </dgm:pt>
     <dgm:pt modelId="{1BA7AE03-2981-4CC0-81FD-EF5343CF64D9}" type="pres">
-      <dgm:prSet presAssocID="{0786E616-1CA6-43A8-AEE9-1281333BDABC}" presName="rootText" presStyleLbl="node3" presStyleIdx="2" presStyleCnt="11">
+      <dgm:prSet presAssocID="{0786E616-1CA6-43A8-AEE9-1281333BDABC}" presName="rootText" presStyleLbl="node3" presStyleIdx="3" presStyleCnt="12">
         <dgm:presLayoutVars>
           <dgm:chPref val="3"/>
         </dgm:presLayoutVars>
@@ -1901,7 +2307,7 @@
       <dgm:spPr/>
     </dgm:pt>
     <dgm:pt modelId="{D0390005-0B34-4B8E-8B0E-A3FBB323BFCE}" type="pres">
-      <dgm:prSet presAssocID="{0786E616-1CA6-43A8-AEE9-1281333BDABC}" presName="rootConnector" presStyleLbl="node3" presStyleIdx="2" presStyleCnt="11"/>
+      <dgm:prSet presAssocID="{0786E616-1CA6-43A8-AEE9-1281333BDABC}" presName="rootConnector" presStyleLbl="node3" presStyleIdx="3" presStyleCnt="12"/>
       <dgm:spPr/>
     </dgm:pt>
     <dgm:pt modelId="{4321F350-DD33-454A-9516-7DFD8FF175BC}" type="pres">
@@ -1949,7 +2355,7 @@
       <dgm:spPr/>
     </dgm:pt>
     <dgm:pt modelId="{5C249127-1299-472E-A966-5CE99B422020}" type="pres">
-      <dgm:prSet presAssocID="{894C1AD9-57A8-4750-BA2A-D21FCD684545}" presName="Name37" presStyleLbl="parChTrans1D3" presStyleIdx="3" presStyleCnt="11"/>
+      <dgm:prSet presAssocID="{894C1AD9-57A8-4750-BA2A-D21FCD684545}" presName="Name37" presStyleLbl="parChTrans1D3" presStyleIdx="4" presStyleCnt="12"/>
       <dgm:spPr/>
     </dgm:pt>
     <dgm:pt modelId="{13E05CDF-0A61-4F7F-9ED1-2B9B0149BC90}" type="pres">
@@ -1965,7 +2371,7 @@
       <dgm:spPr/>
     </dgm:pt>
     <dgm:pt modelId="{CF0CD9C6-0D3E-43BC-BD49-413E6458F816}" type="pres">
-      <dgm:prSet presAssocID="{2D999F45-18AD-4A90-95E2-EEA57141D37B}" presName="rootText" presStyleLbl="node3" presStyleIdx="3" presStyleCnt="11">
+      <dgm:prSet presAssocID="{2D999F45-18AD-4A90-95E2-EEA57141D37B}" presName="rootText" presStyleLbl="node3" presStyleIdx="4" presStyleCnt="12">
         <dgm:presLayoutVars>
           <dgm:chPref val="3"/>
         </dgm:presLayoutVars>
@@ -1973,7 +2379,7 @@
       <dgm:spPr/>
     </dgm:pt>
     <dgm:pt modelId="{0CAEEF4D-51C7-4948-982D-B38501412527}" type="pres">
-      <dgm:prSet presAssocID="{2D999F45-18AD-4A90-95E2-EEA57141D37B}" presName="rootConnector" presStyleLbl="node3" presStyleIdx="3" presStyleCnt="11"/>
+      <dgm:prSet presAssocID="{2D999F45-18AD-4A90-95E2-EEA57141D37B}" presName="rootConnector" presStyleLbl="node3" presStyleIdx="4" presStyleCnt="12"/>
       <dgm:spPr/>
     </dgm:pt>
     <dgm:pt modelId="{D8758833-7E93-4780-BBEE-17E9DB765F4C}" type="pres">
@@ -1985,7 +2391,7 @@
       <dgm:spPr/>
     </dgm:pt>
     <dgm:pt modelId="{426C2A02-AEFB-4B0F-9E06-922CF706A710}" type="pres">
-      <dgm:prSet presAssocID="{8192DA57-16E2-4286-A592-F3908D1DED5C}" presName="Name37" presStyleLbl="parChTrans1D3" presStyleIdx="4" presStyleCnt="11"/>
+      <dgm:prSet presAssocID="{8192DA57-16E2-4286-A592-F3908D1DED5C}" presName="Name37" presStyleLbl="parChTrans1D3" presStyleIdx="5" presStyleCnt="12"/>
       <dgm:spPr/>
     </dgm:pt>
     <dgm:pt modelId="{78B45F9E-00CA-4717-A04B-1DC01669C326}" type="pres">
@@ -2001,7 +2407,7 @@
       <dgm:spPr/>
     </dgm:pt>
     <dgm:pt modelId="{AC86A5F0-49C6-4F43-A3FD-6DC4A44DA3D3}" type="pres">
-      <dgm:prSet presAssocID="{E2314439-AE14-4690-BDFC-6D9220FFF61F}" presName="rootText" presStyleLbl="node3" presStyleIdx="4" presStyleCnt="11">
+      <dgm:prSet presAssocID="{E2314439-AE14-4690-BDFC-6D9220FFF61F}" presName="rootText" presStyleLbl="node3" presStyleIdx="5" presStyleCnt="12">
         <dgm:presLayoutVars>
           <dgm:chPref val="3"/>
         </dgm:presLayoutVars>
@@ -2009,7 +2415,7 @@
       <dgm:spPr/>
     </dgm:pt>
     <dgm:pt modelId="{050FEDAD-E02A-4275-9A78-0680BEB244A6}" type="pres">
-      <dgm:prSet presAssocID="{E2314439-AE14-4690-BDFC-6D9220FFF61F}" presName="rootConnector" presStyleLbl="node3" presStyleIdx="4" presStyleCnt="11"/>
+      <dgm:prSet presAssocID="{E2314439-AE14-4690-BDFC-6D9220FFF61F}" presName="rootConnector" presStyleLbl="node3" presStyleIdx="5" presStyleCnt="12"/>
       <dgm:spPr/>
     </dgm:pt>
     <dgm:pt modelId="{0D3D7F0D-2573-4FA7-BAB7-1125DE5E2917}" type="pres">
@@ -2021,7 +2427,7 @@
       <dgm:spPr/>
     </dgm:pt>
     <dgm:pt modelId="{FD4EE062-D919-4036-8EF7-C00CFB97D85D}" type="pres">
-      <dgm:prSet presAssocID="{E919C417-C7BD-4A9A-A9B6-A500D732C30F}" presName="Name37" presStyleLbl="parChTrans1D3" presStyleIdx="5" presStyleCnt="11"/>
+      <dgm:prSet presAssocID="{E919C417-C7BD-4A9A-A9B6-A500D732C30F}" presName="Name37" presStyleLbl="parChTrans1D3" presStyleIdx="6" presStyleCnt="12"/>
       <dgm:spPr/>
     </dgm:pt>
     <dgm:pt modelId="{FE53C382-835A-4B5D-9DE2-4738D0E385CC}" type="pres">
@@ -2037,7 +2443,7 @@
       <dgm:spPr/>
     </dgm:pt>
     <dgm:pt modelId="{6BF27A5A-9C6B-4172-A98A-003074077DB5}" type="pres">
-      <dgm:prSet presAssocID="{E7E5A92E-E0AA-463D-B376-867C8125A8FA}" presName="rootText" presStyleLbl="node3" presStyleIdx="5" presStyleCnt="11">
+      <dgm:prSet presAssocID="{E7E5A92E-E0AA-463D-B376-867C8125A8FA}" presName="rootText" presStyleLbl="node3" presStyleIdx="6" presStyleCnt="12">
         <dgm:presLayoutVars>
           <dgm:chPref val="3"/>
         </dgm:presLayoutVars>
@@ -2045,7 +2451,7 @@
       <dgm:spPr/>
     </dgm:pt>
     <dgm:pt modelId="{79C073A0-5C4B-4055-9AF9-A7241443FF67}" type="pres">
-      <dgm:prSet presAssocID="{E7E5A92E-E0AA-463D-B376-867C8125A8FA}" presName="rootConnector" presStyleLbl="node3" presStyleIdx="5" presStyleCnt="11"/>
+      <dgm:prSet presAssocID="{E7E5A92E-E0AA-463D-B376-867C8125A8FA}" presName="rootConnector" presStyleLbl="node3" presStyleIdx="6" presStyleCnt="12"/>
       <dgm:spPr/>
     </dgm:pt>
     <dgm:pt modelId="{F3A84F0D-6968-4D3A-9E82-73EE2FE8C281}" type="pres">
@@ -2057,7 +2463,7 @@
       <dgm:spPr/>
     </dgm:pt>
     <dgm:pt modelId="{46DAF357-E1A0-4FA7-8A15-8833026F911E}" type="pres">
-      <dgm:prSet presAssocID="{D761741C-E519-4DA7-A53F-1C0605E10E50}" presName="Name37" presStyleLbl="parChTrans1D3" presStyleIdx="6" presStyleCnt="11"/>
+      <dgm:prSet presAssocID="{D761741C-E519-4DA7-A53F-1C0605E10E50}" presName="Name37" presStyleLbl="parChTrans1D3" presStyleIdx="7" presStyleCnt="12"/>
       <dgm:spPr/>
     </dgm:pt>
     <dgm:pt modelId="{A01F35DB-BE81-4D9A-9985-89C6B41B3724}" type="pres">
@@ -2073,7 +2479,7 @@
       <dgm:spPr/>
     </dgm:pt>
     <dgm:pt modelId="{3230BEC2-F8FC-4C19-997C-3AB5DD586E9A}" type="pres">
-      <dgm:prSet presAssocID="{5DB9F401-81F6-4D24-B024-92055FA87DBC}" presName="rootText" presStyleLbl="node3" presStyleIdx="6" presStyleCnt="11">
+      <dgm:prSet presAssocID="{5DB9F401-81F6-4D24-B024-92055FA87DBC}" presName="rootText" presStyleLbl="node3" presStyleIdx="7" presStyleCnt="12">
         <dgm:presLayoutVars>
           <dgm:chPref val="3"/>
         </dgm:presLayoutVars>
@@ -2081,7 +2487,7 @@
       <dgm:spPr/>
     </dgm:pt>
     <dgm:pt modelId="{5E634822-7D90-4D49-96DD-28F3FD0274F0}" type="pres">
-      <dgm:prSet presAssocID="{5DB9F401-81F6-4D24-B024-92055FA87DBC}" presName="rootConnector" presStyleLbl="node3" presStyleIdx="6" presStyleCnt="11"/>
+      <dgm:prSet presAssocID="{5DB9F401-81F6-4D24-B024-92055FA87DBC}" presName="rootConnector" presStyleLbl="node3" presStyleIdx="7" presStyleCnt="12"/>
       <dgm:spPr/>
     </dgm:pt>
     <dgm:pt modelId="{ACCC2D15-3EC9-4C4A-949B-C7AAF4118855}" type="pres">
@@ -2093,7 +2499,7 @@
       <dgm:spPr/>
     </dgm:pt>
     <dgm:pt modelId="{1A08615E-A3FE-46F7-AC0D-7CED8F7DE944}" type="pres">
-      <dgm:prSet presAssocID="{086B63B3-2B5F-46F2-8AC1-B2747C7FDC19}" presName="Name37" presStyleLbl="parChTrans1D3" presStyleIdx="7" presStyleCnt="11"/>
+      <dgm:prSet presAssocID="{086B63B3-2B5F-46F2-8AC1-B2747C7FDC19}" presName="Name37" presStyleLbl="parChTrans1D3" presStyleIdx="8" presStyleCnt="12"/>
       <dgm:spPr/>
     </dgm:pt>
     <dgm:pt modelId="{2E5E9DB5-3314-4F6D-AA87-65B7E588959F}" type="pres">
@@ -2109,7 +2515,7 @@
       <dgm:spPr/>
     </dgm:pt>
     <dgm:pt modelId="{0A0BD00D-58D4-4270-B0BE-4D5BD282D3A0}" type="pres">
-      <dgm:prSet presAssocID="{0542B761-1CEB-4D6F-86C0-3DB2E4647F7A}" presName="rootText" presStyleLbl="node3" presStyleIdx="7" presStyleCnt="11">
+      <dgm:prSet presAssocID="{0542B761-1CEB-4D6F-86C0-3DB2E4647F7A}" presName="rootText" presStyleLbl="node3" presStyleIdx="8" presStyleCnt="12">
         <dgm:presLayoutVars>
           <dgm:chPref val="3"/>
         </dgm:presLayoutVars>
@@ -2117,7 +2523,7 @@
       <dgm:spPr/>
     </dgm:pt>
     <dgm:pt modelId="{012A5200-4F56-4CAC-B421-C7009FE59C8D}" type="pres">
-      <dgm:prSet presAssocID="{0542B761-1CEB-4D6F-86C0-3DB2E4647F7A}" presName="rootConnector" presStyleLbl="node3" presStyleIdx="7" presStyleCnt="11"/>
+      <dgm:prSet presAssocID="{0542B761-1CEB-4D6F-86C0-3DB2E4647F7A}" presName="rootConnector" presStyleLbl="node3" presStyleIdx="8" presStyleCnt="12"/>
       <dgm:spPr/>
     </dgm:pt>
     <dgm:pt modelId="{20C91912-E6A8-4D36-8369-80570A6E371F}" type="pres">
@@ -2165,7 +2571,7 @@
       <dgm:spPr/>
     </dgm:pt>
     <dgm:pt modelId="{7A378C38-013A-4217-B941-67C6251A172D}" type="pres">
-      <dgm:prSet presAssocID="{26C95A55-8B63-484E-ABC1-5343E026FEC0}" presName="Name37" presStyleLbl="parChTrans1D3" presStyleIdx="8" presStyleCnt="11"/>
+      <dgm:prSet presAssocID="{26C95A55-8B63-484E-ABC1-5343E026FEC0}" presName="Name37" presStyleLbl="parChTrans1D3" presStyleIdx="9" presStyleCnt="12"/>
       <dgm:spPr/>
     </dgm:pt>
     <dgm:pt modelId="{A9C227FE-8043-441E-AFD1-ECFEA1D7C001}" type="pres">
@@ -2181,7 +2587,7 @@
       <dgm:spPr/>
     </dgm:pt>
     <dgm:pt modelId="{FDD6F78D-132F-4C70-B996-5094FAA23BA4}" type="pres">
-      <dgm:prSet presAssocID="{73EB5990-45CE-444D-B163-B09C2925B6AF}" presName="rootText" presStyleLbl="node3" presStyleIdx="8" presStyleCnt="11">
+      <dgm:prSet presAssocID="{73EB5990-45CE-444D-B163-B09C2925B6AF}" presName="rootText" presStyleLbl="node3" presStyleIdx="9" presStyleCnt="12">
         <dgm:presLayoutVars>
           <dgm:chPref val="3"/>
         </dgm:presLayoutVars>
@@ -2189,7 +2595,7 @@
       <dgm:spPr/>
     </dgm:pt>
     <dgm:pt modelId="{84520875-4420-47D5-BB37-23970B5BE4B7}" type="pres">
-      <dgm:prSet presAssocID="{73EB5990-45CE-444D-B163-B09C2925B6AF}" presName="rootConnector" presStyleLbl="node3" presStyleIdx="8" presStyleCnt="11"/>
+      <dgm:prSet presAssocID="{73EB5990-45CE-444D-B163-B09C2925B6AF}" presName="rootConnector" presStyleLbl="node3" presStyleIdx="9" presStyleCnt="12"/>
       <dgm:spPr/>
     </dgm:pt>
     <dgm:pt modelId="{BF9FCCA7-2510-4C59-BD4D-F67AE673AE0D}" type="pres">
@@ -2201,7 +2607,7 @@
       <dgm:spPr/>
     </dgm:pt>
     <dgm:pt modelId="{FCD45116-260D-40D5-AC0E-1B7AECCC6AFE}" type="pres">
-      <dgm:prSet presAssocID="{96974A64-ED1D-4D00-BC20-080502DEF1B3}" presName="Name37" presStyleLbl="parChTrans1D3" presStyleIdx="9" presStyleCnt="11"/>
+      <dgm:prSet presAssocID="{96974A64-ED1D-4D00-BC20-080502DEF1B3}" presName="Name37" presStyleLbl="parChTrans1D3" presStyleIdx="10" presStyleCnt="12"/>
       <dgm:spPr/>
     </dgm:pt>
     <dgm:pt modelId="{0940F3CA-432A-4D0A-9A30-844CC7FE5534}" type="pres">
@@ -2217,7 +2623,7 @@
       <dgm:spPr/>
     </dgm:pt>
     <dgm:pt modelId="{E4C8D85F-B789-4A95-B509-B82C54DDD6AA}" type="pres">
-      <dgm:prSet presAssocID="{043EADE0-F407-4802-98AB-53E63625F8D6}" presName="rootText" presStyleLbl="node3" presStyleIdx="9" presStyleCnt="11">
+      <dgm:prSet presAssocID="{043EADE0-F407-4802-98AB-53E63625F8D6}" presName="rootText" presStyleLbl="node3" presStyleIdx="10" presStyleCnt="12">
         <dgm:presLayoutVars>
           <dgm:chPref val="3"/>
         </dgm:presLayoutVars>
@@ -2225,7 +2631,7 @@
       <dgm:spPr/>
     </dgm:pt>
     <dgm:pt modelId="{0EC02F8C-AFE9-4D61-AF02-73FA23929231}" type="pres">
-      <dgm:prSet presAssocID="{043EADE0-F407-4802-98AB-53E63625F8D6}" presName="rootConnector" presStyleLbl="node3" presStyleIdx="9" presStyleCnt="11"/>
+      <dgm:prSet presAssocID="{043EADE0-F407-4802-98AB-53E63625F8D6}" presName="rootConnector" presStyleLbl="node3" presStyleIdx="10" presStyleCnt="12"/>
       <dgm:spPr/>
     </dgm:pt>
     <dgm:pt modelId="{FB2DD7B2-6F15-4403-8D53-C3000EAA185A}" type="pres">
@@ -2237,7 +2643,7 @@
       <dgm:spPr/>
     </dgm:pt>
     <dgm:pt modelId="{9CC8A2DE-546A-4153-B3B6-87AF5C5C18CA}" type="pres">
-      <dgm:prSet presAssocID="{D8BABDE9-28BB-46C9-9F69-A8925FDEE668}" presName="Name37" presStyleLbl="parChTrans1D3" presStyleIdx="10" presStyleCnt="11"/>
+      <dgm:prSet presAssocID="{D8BABDE9-28BB-46C9-9F69-A8925FDEE668}" presName="Name37" presStyleLbl="parChTrans1D3" presStyleIdx="11" presStyleCnt="12"/>
       <dgm:spPr/>
     </dgm:pt>
     <dgm:pt modelId="{C92FEDD1-DAD4-4A41-ACB3-6AEE93E63863}" type="pres">
@@ -2253,7 +2659,7 @@
       <dgm:spPr/>
     </dgm:pt>
     <dgm:pt modelId="{BCEF6970-03D8-46AA-A06A-7A0A4662D924}" type="pres">
-      <dgm:prSet presAssocID="{FD2F5BAC-9EFC-4BA7-808C-476ADECB832C}" presName="rootText" presStyleLbl="node3" presStyleIdx="10" presStyleCnt="11">
+      <dgm:prSet presAssocID="{FD2F5BAC-9EFC-4BA7-808C-476ADECB832C}" presName="rootText" presStyleLbl="node3" presStyleIdx="11" presStyleCnt="12">
         <dgm:presLayoutVars>
           <dgm:chPref val="3"/>
         </dgm:presLayoutVars>
@@ -2261,7 +2667,7 @@
       <dgm:spPr/>
     </dgm:pt>
     <dgm:pt modelId="{FA983899-1A5B-4EE6-A4CE-93CDCF4CDA31}" type="pres">
-      <dgm:prSet presAssocID="{FD2F5BAC-9EFC-4BA7-808C-476ADECB832C}" presName="rootConnector" presStyleLbl="node3" presStyleIdx="10" presStyleCnt="11"/>
+      <dgm:prSet presAssocID="{FD2F5BAC-9EFC-4BA7-808C-476ADECB832C}" presName="rootConnector" presStyleLbl="node3" presStyleIdx="11" presStyleCnt="12"/>
       <dgm:spPr/>
     </dgm:pt>
     <dgm:pt modelId="{7D7C357A-514E-4EB0-91F0-7ED13679D1F6}" type="pres">
@@ -2283,6 +2689,7 @@
   </dgm:ptLst>
   <dgm:cxnLst>
     <dgm:cxn modelId="{6A0B2003-2DA5-4EA4-9D20-57F6BAD7B122}" srcId="{BFA95238-6053-4518-8B1B-F5E17308A069}" destId="{06D48B4E-5000-46F4-A5C2-7ED98602FDB8}" srcOrd="0" destOrd="0" parTransId="{211DB870-A3B6-4CE5-9F1C-45AF0B09339F}" sibTransId="{FDF55164-83D9-4410-AA55-2E1987F17219}"/>
+    <dgm:cxn modelId="{DD910505-881B-467A-9A54-900B607FE58D}" type="presOf" srcId="{DC20BFFE-0032-4706-A460-39354C8783A3}" destId="{AB1A8BE8-B449-4A2C-B62D-103C8D9973A8}" srcOrd="1" destOrd="0" presId="urn:microsoft.com/office/officeart/2005/8/layout/orgChart1"/>
     <dgm:cxn modelId="{8A8E0A05-029C-4007-9F9E-F6458A777E2A}" type="presOf" srcId="{23DF3EDE-38F3-4C8F-9843-DFA4167BAFC7}" destId="{0F2EFF12-9571-4DF8-A3E2-9D3EC6F11260}" srcOrd="1" destOrd="0" presId="urn:microsoft.com/office/officeart/2005/8/layout/orgChart1"/>
     <dgm:cxn modelId="{1294AF05-9942-47DC-B8EC-A021A99732A6}" type="presOf" srcId="{32ADAE09-8135-417C-AEB3-3D9514C94531}" destId="{D3924583-3B5C-4B56-BC8E-72056BD3C876}" srcOrd="0" destOrd="0" presId="urn:microsoft.com/office/officeart/2005/8/layout/orgChart1"/>
     <dgm:cxn modelId="{BADF240C-D838-4CCF-97CA-7A0AE2309ADB}" type="presOf" srcId="{043EADE0-F407-4802-98AB-53E63625F8D6}" destId="{0EC02F8C-AFE9-4D61-AF02-73FA23929231}" srcOrd="1" destOrd="0" presId="urn:microsoft.com/office/officeart/2005/8/layout/orgChart1"/>
@@ -2293,6 +2700,8 @@
     <dgm:cxn modelId="{056C2118-C1CD-40BC-A324-2C8C40D2B043}" type="presOf" srcId="{B10376FD-6368-4B9E-9096-0388D8E507C0}" destId="{A5F603E6-855F-4408-B6BE-7E375786F09B}" srcOrd="0" destOrd="0" presId="urn:microsoft.com/office/officeart/2005/8/layout/orgChart1"/>
     <dgm:cxn modelId="{9EFC5020-4DE1-4774-92F6-E1798A8EB60F}" type="presOf" srcId="{8AE4604E-0C9C-40A8-8AAF-11610D8766FB}" destId="{FFCF0181-8D5C-4F30-ACCA-92968342C88B}" srcOrd="0" destOrd="0" presId="urn:microsoft.com/office/officeart/2005/8/layout/orgChart1"/>
     <dgm:cxn modelId="{5ECA6F24-7215-48FE-8EDA-664F8950AEB8}" type="presOf" srcId="{BFA95238-6053-4518-8B1B-F5E17308A069}" destId="{2D432BDD-A1D6-40DA-8C6A-2AF7DB7EC017}" srcOrd="0" destOrd="0" presId="urn:microsoft.com/office/officeart/2005/8/layout/orgChart1"/>
+    <dgm:cxn modelId="{3FEE6E25-0A0E-436C-BF65-B88A34814EBF}" type="presOf" srcId="{8BF99DF1-0211-4D87-8F38-B4685A190DDA}" destId="{7405E4C0-93C6-4B0D-A9ED-459FB3B4FD35}" srcOrd="0" destOrd="0" presId="urn:microsoft.com/office/officeart/2005/8/layout/orgChart1"/>
+    <dgm:cxn modelId="{6A139F25-492A-4110-B54B-044515832580}" type="presOf" srcId="{C05EBF74-28B6-4A33-869E-57CEF8FA9427}" destId="{70C84585-4B11-44D7-8B09-8A8E107AC519}" srcOrd="0" destOrd="0" presId="urn:microsoft.com/office/officeart/2005/8/layout/orgChart1"/>
     <dgm:cxn modelId="{FFA3C227-56CC-4B05-A508-8350F12FCC2D}" type="presOf" srcId="{043EADE0-F407-4802-98AB-53E63625F8D6}" destId="{E4C8D85F-B789-4A95-B509-B82C54DDD6AA}" srcOrd="0" destOrd="0" presId="urn:microsoft.com/office/officeart/2005/8/layout/orgChart1"/>
     <dgm:cxn modelId="{CA6E722C-E964-419B-B74D-E8295A56DB5D}" type="presOf" srcId="{0542B761-1CEB-4D6F-86C0-3DB2E4647F7A}" destId="{012A5200-4F56-4CAC-B421-C7009FE59C8D}" srcOrd="1" destOrd="0" presId="urn:microsoft.com/office/officeart/2005/8/layout/orgChart1"/>
     <dgm:cxn modelId="{3561B431-29B6-410F-8E77-D3AA3D12B7BC}" type="presOf" srcId="{BFA95238-6053-4518-8B1B-F5E17308A069}" destId="{27A73FCA-018D-4287-AC1A-3E28F07B8EC2}" srcOrd="1" destOrd="0" presId="urn:microsoft.com/office/officeart/2005/8/layout/orgChart1"/>
@@ -2301,26 +2710,35 @@
     <dgm:cxn modelId="{E98C8A34-0DA1-4C23-AF73-C80C3CAFE5B6}" type="presOf" srcId="{45EDC758-A691-4772-BD43-6245E82B80E2}" destId="{66C88322-1BD5-418B-AA6A-CA94E17899BF}" srcOrd="1" destOrd="0" presId="urn:microsoft.com/office/officeart/2005/8/layout/orgChart1"/>
     <dgm:cxn modelId="{F854C834-9A5A-4C25-882E-E84A6A498E2D}" type="presOf" srcId="{2D999F45-18AD-4A90-95E2-EEA57141D37B}" destId="{CF0CD9C6-0D3E-43BC-BD49-413E6458F816}" srcOrd="0" destOrd="0" presId="urn:microsoft.com/office/officeart/2005/8/layout/orgChart1"/>
     <dgm:cxn modelId="{F2BB1339-4E14-4234-B4AF-ACA6E103E3AF}" type="presOf" srcId="{341BAE9D-0834-4DEA-80F3-015EBEFA25C0}" destId="{6C1714FA-424B-4831-81B7-B55C1E4B1369}" srcOrd="0" destOrd="0" presId="urn:microsoft.com/office/officeart/2005/8/layout/orgChart1"/>
+    <dgm:cxn modelId="{33329E39-85A2-4F00-8EEB-0F456D432CC3}" type="presOf" srcId="{62644A5A-FF19-4F0F-B78B-A977C77D01EC}" destId="{5F62183B-1F3B-4564-9333-4D54B90B98FD}" srcOrd="1" destOrd="0" presId="urn:microsoft.com/office/officeart/2005/8/layout/orgChart1"/>
+    <dgm:cxn modelId="{9A1EEB3C-071D-4927-AE8C-3EA1CFCF72D8}" type="presOf" srcId="{BBFED8E5-FDD6-47AB-B610-6616AE22B8C5}" destId="{9105FE60-D84F-466E-8133-0B9C7DB7410B}" srcOrd="0" destOrd="0" presId="urn:microsoft.com/office/officeart/2005/8/layout/orgChart1"/>
     <dgm:cxn modelId="{75F4923D-7B1B-427A-A6E6-B45E9807DC8D}" type="presOf" srcId="{D8BABDE9-28BB-46C9-9F69-A8925FDEE668}" destId="{9CC8A2DE-546A-4153-B3B6-87AF5C5C18CA}" srcOrd="0" destOrd="0" presId="urn:microsoft.com/office/officeart/2005/8/layout/orgChart1"/>
     <dgm:cxn modelId="{1CD4375C-C3B6-4AB5-9138-14401AA04FBF}" type="presOf" srcId="{38946809-CAC0-4516-B4AD-B2E6F05368A1}" destId="{1EFA0766-4088-4ACA-8D67-BF245B13C2B9}" srcOrd="1" destOrd="0" presId="urn:microsoft.com/office/officeart/2005/8/layout/orgChart1"/>
     <dgm:cxn modelId="{91E7C95D-CF7F-465F-A327-80F7909AD66E}" srcId="{23DF3EDE-38F3-4C8F-9843-DFA4167BAFC7}" destId="{E7E5A92E-E0AA-463D-B376-867C8125A8FA}" srcOrd="2" destOrd="0" parTransId="{E919C417-C7BD-4A9A-A9B6-A500D732C30F}" sibTransId="{BC5C3972-EBCF-4401-9DDD-C482A6BD540B}"/>
+    <dgm:cxn modelId="{90B8445E-C88B-4213-9BF7-98A29FF13C46}" srcId="{DC20BFFE-0032-4706-A460-39354C8783A3}" destId="{92D83145-6269-49D3-8F76-7784476F43FD}" srcOrd="2" destOrd="0" parTransId="{90ECD004-2BD7-4B89-B5E8-2A554B37F3D8}" sibTransId="{D898A633-DE63-4AE2-B122-E7ACC101A85E}"/>
     <dgm:cxn modelId="{A128CD5E-35F3-4754-A17C-901614874AA6}" type="presOf" srcId="{45EDC758-A691-4772-BD43-6245E82B80E2}" destId="{1B3F4D97-F5DF-4EA9-A33B-EE015C482CB3}" srcOrd="0" destOrd="0" presId="urn:microsoft.com/office/officeart/2005/8/layout/orgChart1"/>
+    <dgm:cxn modelId="{5720E85E-EF57-4FCC-871D-DD416DB0D2F0}" type="presOf" srcId="{99DAF21E-B6BD-49AD-BFC9-0C4AFA428B61}" destId="{0E80A1C6-F478-4D6E-A6E2-C4943003C3C5}" srcOrd="1" destOrd="0" presId="urn:microsoft.com/office/officeart/2005/8/layout/orgChart1"/>
     <dgm:cxn modelId="{EB687341-660F-4E26-86AF-D95FA0403C9D}" type="presOf" srcId="{73EB5990-45CE-444D-B163-B09C2925B6AF}" destId="{FDD6F78D-132F-4C70-B996-5094FAA23BA4}" srcOrd="0" destOrd="0" presId="urn:microsoft.com/office/officeart/2005/8/layout/orgChart1"/>
     <dgm:cxn modelId="{B94AC942-46AF-4F8F-BB61-A1C68DDA8086}" type="presOf" srcId="{127F2149-D573-4441-82B8-F77F375B298E}" destId="{D5050C5A-BBA3-4D81-820B-0C7A69DDD890}" srcOrd="0" destOrd="0" presId="urn:microsoft.com/office/officeart/2005/8/layout/orgChart1"/>
     <dgm:cxn modelId="{4E5A8443-9011-4CC7-B675-142D25FC2B0C}" type="presOf" srcId="{086B63B3-2B5F-46F2-8AC1-B2747C7FDC19}" destId="{1A08615E-A3FE-46F7-AC0D-7CED8F7DE944}" srcOrd="0" destOrd="0" presId="urn:microsoft.com/office/officeart/2005/8/layout/orgChart1"/>
     <dgm:cxn modelId="{89815144-5B10-4545-940B-62DCF1EC5D9A}" srcId="{23DF3EDE-38F3-4C8F-9843-DFA4167BAFC7}" destId="{E2314439-AE14-4690-BDFC-6D9220FFF61F}" srcOrd="1" destOrd="0" parTransId="{8192DA57-16E2-4286-A592-F3908D1DED5C}" sibTransId="{87F87E83-3E8D-44D2-B29E-41D7A35B185B}"/>
+    <dgm:cxn modelId="{EBFA4165-21FB-44F5-9512-329E590E021B}" srcId="{06D48B4E-5000-46F4-A5C2-7ED98602FDB8}" destId="{DC20BFFE-0032-4706-A460-39354C8783A3}" srcOrd="0" destOrd="0" parTransId="{BBFED8E5-FDD6-47AB-B610-6616AE22B8C5}" sibTransId="{2863CAE6-FFA8-440D-9258-7134A15ABFB9}"/>
     <dgm:cxn modelId="{DBA44845-0DB9-4345-BA7E-7471A9969388}" type="presOf" srcId="{FD2F5BAC-9EFC-4BA7-808C-476ADECB832C}" destId="{BCEF6970-03D8-46AA-A06A-7A0A4662D924}" srcOrd="0" destOrd="0" presId="urn:microsoft.com/office/officeart/2005/8/layout/orgChart1"/>
     <dgm:cxn modelId="{747CE067-8C17-408A-8AD9-970F8FDCA58B}" type="presOf" srcId="{75831A4A-FEA0-495E-B6F0-BF5E317E2C02}" destId="{514833F1-2A84-4995-BC9E-B7F47E8A857D}" srcOrd="1" destOrd="0" presId="urn:microsoft.com/office/officeart/2005/8/layout/orgChart1"/>
     <dgm:cxn modelId="{B0C6FC67-EFFA-4ACB-8744-B6ED532D6962}" srcId="{23DF3EDE-38F3-4C8F-9843-DFA4167BAFC7}" destId="{0542B761-1CEB-4D6F-86C0-3DB2E4647F7A}" srcOrd="4" destOrd="0" parTransId="{086B63B3-2B5F-46F2-8AC1-B2747C7FDC19}" sibTransId="{D3D5249A-373D-4C79-A1DE-8C24458ADCB5}"/>
     <dgm:cxn modelId="{F16AC04A-E566-4984-9A9D-0891DBDB27CD}" type="presOf" srcId="{06D48B4E-5000-46F4-A5C2-7ED98602FDB8}" destId="{F3C6E062-2D8B-42A6-BDF7-01B77931CAC1}" srcOrd="0" destOrd="0" presId="urn:microsoft.com/office/officeart/2005/8/layout/orgChart1"/>
     <dgm:cxn modelId="{B89C4B6B-1EBE-4195-8D73-F6D7B05CB847}" type="presOf" srcId="{FDC5AB3E-8846-44B5-95C0-BC482950D206}" destId="{0A827815-4D14-4353-BDEB-2B090F471C88}" srcOrd="0" destOrd="0" presId="urn:microsoft.com/office/officeart/2005/8/layout/orgChart1"/>
     <dgm:cxn modelId="{CF8DE96C-E354-4EC0-829B-38CEA11BA368}" type="presOf" srcId="{E7E5A92E-E0AA-463D-B376-867C8125A8FA}" destId="{6BF27A5A-9C6B-4172-A98A-003074077DB5}" srcOrd="0" destOrd="0" presId="urn:microsoft.com/office/officeart/2005/8/layout/orgChart1"/>
+    <dgm:cxn modelId="{A768C250-3A7F-405E-BD85-81394961A51D}" type="presOf" srcId="{1D06480A-432B-47E2-926A-4D929BDA9E52}" destId="{369B8DBF-0DE6-4A8E-BE42-62C5F2B3B683}" srcOrd="0" destOrd="0" presId="urn:microsoft.com/office/officeart/2005/8/layout/orgChart1"/>
     <dgm:cxn modelId="{225A8B52-CE34-4398-95AA-3894435C8BA4}" srcId="{75831A4A-FEA0-495E-B6F0-BF5E317E2C02}" destId="{B10376FD-6368-4B9E-9096-0388D8E507C0}" srcOrd="1" destOrd="0" parTransId="{8AE4604E-0C9C-40A8-8AAF-11610D8766FB}" sibTransId="{3B8AC5C5-0C92-4A57-9D91-3C5676620E88}"/>
+    <dgm:cxn modelId="{C8272973-C4FD-45CC-AB5B-085BD386FF40}" type="presOf" srcId="{92D83145-6269-49D3-8F76-7784476F43FD}" destId="{5D0604CE-213A-4684-8BBF-D4B40AD66A26}" srcOrd="0" destOrd="0" presId="urn:microsoft.com/office/officeart/2005/8/layout/orgChart1"/>
     <dgm:cxn modelId="{104DAB73-E2D5-45F8-A3B2-56AAEF39B79D}" type="presOf" srcId="{96974A64-ED1D-4D00-BC20-080502DEF1B3}" destId="{FCD45116-260D-40D5-AC0E-1B7AECCC6AFE}" srcOrd="0" destOrd="0" presId="urn:microsoft.com/office/officeart/2005/8/layout/orgChart1"/>
     <dgm:cxn modelId="{4D2CF254-5ADB-43E1-BFCF-108F6732406B}" srcId="{23DF3EDE-38F3-4C8F-9843-DFA4167BAFC7}" destId="{2D999F45-18AD-4A90-95E2-EEA57141D37B}" srcOrd="0" destOrd="0" parTransId="{894C1AD9-57A8-4750-BA2A-D21FCD684545}" sibTransId="{48407195-AAC5-4F64-BE73-80C8612B2E8D}"/>
     <dgm:cxn modelId="{E4BA1858-043B-4CD1-8746-A4D096491BA6}" type="presOf" srcId="{D761741C-E519-4DA7-A53F-1C0605E10E50}" destId="{46DAF357-E1A0-4FA7-8A15-8833026F911E}" srcOrd="0" destOrd="0" presId="urn:microsoft.com/office/officeart/2005/8/layout/orgChart1"/>
     <dgm:cxn modelId="{167A075A-7A7C-423C-8AF9-CFCFCB527B98}" srcId="{32ADAE09-8135-417C-AEB3-3D9514C94531}" destId="{BFA95238-6053-4518-8B1B-F5E17308A069}" srcOrd="0" destOrd="0" parTransId="{EAEC8E6A-D3EF-428B-9D6C-9F85789BF836}" sibTransId="{92432ACA-E5CA-4C98-A31C-D0FB7E2DA816}"/>
+    <dgm:cxn modelId="{63A8F17D-744E-4CEC-BEFA-E28D39F54F2D}" srcId="{DC20BFFE-0032-4706-A460-39354C8783A3}" destId="{99DAF21E-B6BD-49AD-BFC9-0C4AFA428B61}" srcOrd="3" destOrd="0" parTransId="{8BF99DF1-0211-4D87-8F38-B4685A190DDA}" sibTransId="{8CA2707D-7310-49E3-AE44-4EBD389E3F12}"/>
     <dgm:cxn modelId="{AE5C6B7F-9B1C-44AF-9234-A9654862C2F7}" srcId="{BFA95238-6053-4518-8B1B-F5E17308A069}" destId="{E97C0E03-AD38-4B76-AF6B-B1E23FA7D75C}" srcOrd="1" destOrd="0" parTransId="{11642804-C275-41A7-B274-A0857F96A879}" sibTransId="{F62D9C0B-9216-4C68-8B39-B348615D3686}"/>
+    <dgm:cxn modelId="{943F867F-A39E-4D0F-B2CB-A84035CD8643}" type="presOf" srcId="{99DAF21E-B6BD-49AD-BFC9-0C4AFA428B61}" destId="{2DA99311-C7B6-497F-8EB4-D03757E8CB75}" srcOrd="0" destOrd="0" presId="urn:microsoft.com/office/officeart/2005/8/layout/orgChart1"/>
     <dgm:cxn modelId="{30721C81-68FA-4709-9339-D3C7B98D165B}" type="presOf" srcId="{F2CAE924-9233-4792-A122-D1A72A253790}" destId="{AFC5B7EB-1C24-4037-9F42-69DDC28BB439}" srcOrd="0" destOrd="0" presId="urn:microsoft.com/office/officeart/2005/8/layout/orgChart1"/>
     <dgm:cxn modelId="{71CA2584-EDFC-4A25-BE7E-35F145888C1B}" type="presOf" srcId="{0786E616-1CA6-43A8-AEE9-1281333BDABC}" destId="{1BA7AE03-2981-4CC0-81FD-EF5343CF64D9}" srcOrd="0" destOrd="0" presId="urn:microsoft.com/office/officeart/2005/8/layout/orgChart1"/>
     <dgm:cxn modelId="{36F5A084-4A17-4FB6-9B79-F63F81A3E807}" type="presOf" srcId="{FD2F5BAC-9EFC-4BA7-808C-476ADECB832C}" destId="{FA983899-1A5B-4EE6-A4CE-93CDCF4CDA31}" srcOrd="1" destOrd="0" presId="urn:microsoft.com/office/officeart/2005/8/layout/orgChart1"/>
@@ -2329,11 +2747,17 @@
     <dgm:cxn modelId="{2A171C94-7068-4ADA-A44F-330064E74274}" srcId="{BFA95238-6053-4518-8B1B-F5E17308A069}" destId="{75831A4A-FEA0-495E-B6F0-BF5E317E2C02}" srcOrd="2" destOrd="0" parTransId="{127F2149-D573-4441-82B8-F77F375B298E}" sibTransId="{6AC196A6-AA1C-48B2-A333-CC7E7E364925}"/>
     <dgm:cxn modelId="{95D84495-6E9E-409C-9F99-DA6BBBF3BF80}" srcId="{BFA95238-6053-4518-8B1B-F5E17308A069}" destId="{38946809-CAC0-4516-B4AD-B2E6F05368A1}" srcOrd="4" destOrd="0" parTransId="{FDC5AB3E-8846-44B5-95C0-BC482950D206}" sibTransId="{BF50D95D-FAFA-4574-845C-3629E67E3D78}"/>
     <dgm:cxn modelId="{15489D97-9056-4B07-BE8D-B846CB0B7712}" type="presOf" srcId="{75831A4A-FEA0-495E-B6F0-BF5E317E2C02}" destId="{5C784167-DC2F-4F6B-8BD9-3FD874C31FEA}" srcOrd="0" destOrd="0" presId="urn:microsoft.com/office/officeart/2005/8/layout/orgChart1"/>
+    <dgm:cxn modelId="{B728B597-3633-42EE-B60C-153051E42324}" type="presOf" srcId="{DC20BFFE-0032-4706-A460-39354C8783A3}" destId="{8A23FB50-195A-48F1-944A-280F62127D34}" srcOrd="0" destOrd="0" presId="urn:microsoft.com/office/officeart/2005/8/layout/orgChart1"/>
     <dgm:cxn modelId="{4A78329A-DD32-44C8-BFE7-4C0E3DF4B3C2}" type="presOf" srcId="{21524FB1-3E9D-4E0F-A08C-08F66216322F}" destId="{A48906EA-8F4A-4C53-9B96-36E1772D0D53}" srcOrd="0" destOrd="0" presId="urn:microsoft.com/office/officeart/2005/8/layout/orgChart1"/>
     <dgm:cxn modelId="{67D7AB9B-7B9B-4D35-88D5-6AA49D6EB402}" type="presOf" srcId="{211DB870-A3B6-4CE5-9F1C-45AF0B09339F}" destId="{E7E109ED-4F40-49FC-8106-2ED71AAA3EC6}" srcOrd="0" destOrd="0" presId="urn:microsoft.com/office/officeart/2005/8/layout/orgChart1"/>
     <dgm:cxn modelId="{96FFFAA0-3D93-403E-A8B5-F52C90A12963}" srcId="{75831A4A-FEA0-495E-B6F0-BF5E317E2C02}" destId="{0786E616-1CA6-43A8-AEE9-1281333BDABC}" srcOrd="2" destOrd="0" parTransId="{341BAE9D-0834-4DEA-80F3-015EBEFA25C0}" sibTransId="{5E1690CA-5CBB-4285-BDFC-DF42A8596F4D}"/>
     <dgm:cxn modelId="{65C7FDA7-FFE7-4F76-830D-C93ED48D5DFC}" type="presOf" srcId="{894C1AD9-57A8-4750-BA2A-D21FCD684545}" destId="{5C249127-1299-472E-A966-5CE99B422020}" srcOrd="0" destOrd="0" presId="urn:microsoft.com/office/officeart/2005/8/layout/orgChart1"/>
+    <dgm:cxn modelId="{138A3DAA-68E5-41B7-A373-5BC5633A61BE}" srcId="{DC20BFFE-0032-4706-A460-39354C8783A3}" destId="{C05EBF74-28B6-4A33-869E-57CEF8FA9427}" srcOrd="0" destOrd="0" parTransId="{1D06480A-432B-47E2-926A-4D929BDA9E52}" sibTransId="{80F67417-B2DF-4888-891B-2AC3244CE352}"/>
     <dgm:cxn modelId="{4B279EAA-2575-42F2-B742-40CBBA66E2FC}" type="presOf" srcId="{5DB9F401-81F6-4D24-B024-92055FA87DBC}" destId="{3230BEC2-F8FC-4C19-997C-3AB5DD586E9A}" srcOrd="0" destOrd="0" presId="urn:microsoft.com/office/officeart/2005/8/layout/orgChart1"/>
+    <dgm:cxn modelId="{073656AD-885B-47B2-938C-A811D5E991B0}" type="presOf" srcId="{3231A186-D624-497D-A61C-B682A333443C}" destId="{BAF03171-743F-44EA-8B9D-E60205AEB0EC}" srcOrd="0" destOrd="0" presId="urn:microsoft.com/office/officeart/2005/8/layout/orgChart1"/>
+    <dgm:cxn modelId="{82BB2DB6-9682-4EB7-A924-005C3D02515E}" type="presOf" srcId="{90ECD004-2BD7-4B89-B5E8-2A554B37F3D8}" destId="{DD667EEE-07EB-4603-8F24-93C680AE968A}" srcOrd="0" destOrd="0" presId="urn:microsoft.com/office/officeart/2005/8/layout/orgChart1"/>
+    <dgm:cxn modelId="{6D6DAEB8-8739-48EC-A1A1-A5C296528384}" srcId="{DC20BFFE-0032-4706-A460-39354C8783A3}" destId="{62644A5A-FF19-4F0F-B78B-A977C77D01EC}" srcOrd="1" destOrd="0" parTransId="{3231A186-D624-497D-A61C-B682A333443C}" sibTransId="{851AF63D-EBF9-4CCE-972A-68DF00F0DA91}"/>
+    <dgm:cxn modelId="{D05B84C0-6A34-4BA8-92B4-ED5AE74F27A5}" type="presOf" srcId="{62644A5A-FF19-4F0F-B78B-A977C77D01EC}" destId="{6D76F778-BC2B-449A-A2B8-ABDE4553779A}" srcOrd="0" destOrd="0" presId="urn:microsoft.com/office/officeart/2005/8/layout/orgChart1"/>
     <dgm:cxn modelId="{8C619DC4-7701-4850-8586-99032FE041F1}" type="presOf" srcId="{E2314439-AE14-4690-BDFC-6D9220FFF61F}" destId="{050FEDAD-E02A-4275-9A78-0680BEB244A6}" srcOrd="1" destOrd="0" presId="urn:microsoft.com/office/officeart/2005/8/layout/orgChart1"/>
     <dgm:cxn modelId="{1490F3CB-DAAE-4057-8AFC-729FFC6BBBBB}" type="presOf" srcId="{06D48B4E-5000-46F4-A5C2-7ED98602FDB8}" destId="{3EA11933-4D07-4D3A-8279-F492A7587DB4}" srcOrd="1" destOrd="0" presId="urn:microsoft.com/office/officeart/2005/8/layout/orgChart1"/>
     <dgm:cxn modelId="{8558DDCD-89A9-473A-ABA3-38A90ED36563}" type="presOf" srcId="{E7E5A92E-E0AA-463D-B376-867C8125A8FA}" destId="{79C073A0-5C4B-4055-9AF9-A7241443FF67}" srcOrd="1" destOrd="0" presId="urn:microsoft.com/office/officeart/2005/8/layout/orgChart1"/>
@@ -2341,12 +2765,14 @@
     <dgm:cxn modelId="{6CE7E3E0-488E-4880-A591-D716684F9D79}" type="presOf" srcId="{0786E616-1CA6-43A8-AEE9-1281333BDABC}" destId="{D0390005-0B34-4B8E-8B0E-A3FBB323BFCE}" srcOrd="1" destOrd="0" presId="urn:microsoft.com/office/officeart/2005/8/layout/orgChart1"/>
     <dgm:cxn modelId="{999850E1-BCFF-4B70-9F09-085CD20807FA}" type="presOf" srcId="{5DB9F401-81F6-4D24-B024-92055FA87DBC}" destId="{5E634822-7D90-4D49-96DD-28F3FD0274F0}" srcOrd="1" destOrd="0" presId="urn:microsoft.com/office/officeart/2005/8/layout/orgChart1"/>
     <dgm:cxn modelId="{DA1AB2E2-90B7-4EFA-8E9A-C1554092A60F}" type="presOf" srcId="{23DF3EDE-38F3-4C8F-9843-DFA4167BAFC7}" destId="{E2A04D14-E42F-46F1-A691-3CB2EB8F246D}" srcOrd="0" destOrd="0" presId="urn:microsoft.com/office/officeart/2005/8/layout/orgChart1"/>
+    <dgm:cxn modelId="{1822B1E4-E740-479D-8875-99C9BB68311D}" type="presOf" srcId="{92D83145-6269-49D3-8F76-7784476F43FD}" destId="{DE8B162A-1A60-4B66-9B83-321A13B8ABEC}" srcOrd="1" destOrd="0" presId="urn:microsoft.com/office/officeart/2005/8/layout/orgChart1"/>
     <dgm:cxn modelId="{B884B3E9-D435-4D9B-9569-0CE93D3DDDD6}" type="presOf" srcId="{73EB5990-45CE-444D-B163-B09C2925B6AF}" destId="{84520875-4420-47D5-BB37-23970B5BE4B7}" srcOrd="1" destOrd="0" presId="urn:microsoft.com/office/officeart/2005/8/layout/orgChart1"/>
     <dgm:cxn modelId="{B28610EB-E232-492F-9899-010E8109CBAB}" type="presOf" srcId="{E97C0E03-AD38-4B76-AF6B-B1E23FA7D75C}" destId="{E3B581E0-F2A0-4F27-94E5-C1C3695D2DD8}" srcOrd="0" destOrd="0" presId="urn:microsoft.com/office/officeart/2005/8/layout/orgChart1"/>
     <dgm:cxn modelId="{D37BA5ED-F39C-4B11-B6BE-A082C31CA53B}" type="presOf" srcId="{E2314439-AE14-4690-BDFC-6D9220FFF61F}" destId="{AC86A5F0-49C6-4F43-A3FD-6DC4A44DA3D3}" srcOrd="0" destOrd="0" presId="urn:microsoft.com/office/officeart/2005/8/layout/orgChart1"/>
     <dgm:cxn modelId="{D827CAEE-C037-45B8-B14C-D800A6931B66}" srcId="{38946809-CAC0-4516-B4AD-B2E6F05368A1}" destId="{043EADE0-F407-4802-98AB-53E63625F8D6}" srcOrd="1" destOrd="0" parTransId="{96974A64-ED1D-4D00-BC20-080502DEF1B3}" sibTransId="{39D61FC4-A4F6-4FF0-8940-F22C465A3F5F}"/>
     <dgm:cxn modelId="{BD9463F1-D412-4D60-8B81-A9AF5392D13E}" type="presOf" srcId="{38946809-CAC0-4516-B4AD-B2E6F05368A1}" destId="{6AFFA581-EE6C-44C8-802F-020559906130}" srcOrd="0" destOrd="0" presId="urn:microsoft.com/office/officeart/2005/8/layout/orgChart1"/>
     <dgm:cxn modelId="{2A5ED0F1-1E9A-4B60-8EFA-01A9844E908D}" srcId="{BFA95238-6053-4518-8B1B-F5E17308A069}" destId="{23DF3EDE-38F3-4C8F-9843-DFA4167BAFC7}" srcOrd="3" destOrd="0" parTransId="{F2CAE924-9233-4792-A122-D1A72A253790}" sibTransId="{3208DA02-A6CF-4D65-92D5-032915237A52}"/>
+    <dgm:cxn modelId="{934BBAF6-AE71-4844-A7DC-26B47BF7379B}" type="presOf" srcId="{C05EBF74-28B6-4A33-869E-57CEF8FA9427}" destId="{19BF48E0-6394-4380-921C-573B50BE1283}" srcOrd="1" destOrd="0" presId="urn:microsoft.com/office/officeart/2005/8/layout/orgChart1"/>
     <dgm:cxn modelId="{7C6B3EF9-6002-4CE2-BC7A-8873B5026C97}" type="presOf" srcId="{B10376FD-6368-4B9E-9096-0388D8E507C0}" destId="{6C314D8E-61A7-422F-BC9E-9AB6471EBF2A}" srcOrd="1" destOrd="0" presId="urn:microsoft.com/office/officeart/2005/8/layout/orgChart1"/>
     <dgm:cxn modelId="{801CA6FC-EED0-4DB6-B0BB-AA05E50E96F1}" srcId="{38946809-CAC0-4516-B4AD-B2E6F05368A1}" destId="{73EB5990-45CE-444D-B163-B09C2925B6AF}" srcOrd="0" destOrd="0" parTransId="{26C95A55-8B63-484E-ABC1-5343E026FEC0}" sibTransId="{F91C360F-9B39-465C-AADD-8EEFB31E553A}"/>
     <dgm:cxn modelId="{F80A15FE-7E08-4C2F-83F9-4188AE8AC14F}" type="presOf" srcId="{0542B761-1CEB-4D6F-86C0-3DB2E4647F7A}" destId="{0A0BD00D-58D4-4270-B0BE-4D5BD282D3A0}" srcOrd="0" destOrd="0" presId="urn:microsoft.com/office/officeart/2005/8/layout/orgChart1"/>
@@ -2361,6 +2787,41 @@
     <dgm:cxn modelId="{276D2927-FC1C-4C81-BB59-B52E840895FC}" type="presParOf" srcId="{8944D7EB-FF02-44F9-BA9F-47CD36DD1353}" destId="{F3C6E062-2D8B-42A6-BDF7-01B77931CAC1}" srcOrd="0" destOrd="0" presId="urn:microsoft.com/office/officeart/2005/8/layout/orgChart1"/>
     <dgm:cxn modelId="{FCA05F96-0114-4082-BB19-7297B9DF0370}" type="presParOf" srcId="{8944D7EB-FF02-44F9-BA9F-47CD36DD1353}" destId="{3EA11933-4D07-4D3A-8279-F492A7587DB4}" srcOrd="1" destOrd="0" presId="urn:microsoft.com/office/officeart/2005/8/layout/orgChart1"/>
     <dgm:cxn modelId="{DE27C997-092C-414D-B0C3-B7A000026F5C}" type="presParOf" srcId="{CDF04866-5570-4B1D-942A-7405DC0C704D}" destId="{9CF3FC26-C491-45BA-B5F1-6F90D46FC75B}" srcOrd="1" destOrd="0" presId="urn:microsoft.com/office/officeart/2005/8/layout/orgChart1"/>
+    <dgm:cxn modelId="{644586AF-88ED-4802-BAC8-BC1511AD4FEC}" type="presParOf" srcId="{9CF3FC26-C491-45BA-B5F1-6F90D46FC75B}" destId="{9105FE60-D84F-466E-8133-0B9C7DB7410B}" srcOrd="0" destOrd="0" presId="urn:microsoft.com/office/officeart/2005/8/layout/orgChart1"/>
+    <dgm:cxn modelId="{61600AD7-2A45-4DAB-8BB0-33C43D0C6006}" type="presParOf" srcId="{9CF3FC26-C491-45BA-B5F1-6F90D46FC75B}" destId="{3ECA99BC-8F50-49E3-B8B6-51FCFEC7BB66}" srcOrd="1" destOrd="0" presId="urn:microsoft.com/office/officeart/2005/8/layout/orgChart1"/>
+    <dgm:cxn modelId="{2CB1B020-898F-4538-A2EE-AB2D4F06E7BF}" type="presParOf" srcId="{3ECA99BC-8F50-49E3-B8B6-51FCFEC7BB66}" destId="{E2DAA100-8FFD-4488-858B-6033D7CE8587}" srcOrd="0" destOrd="0" presId="urn:microsoft.com/office/officeart/2005/8/layout/orgChart1"/>
+    <dgm:cxn modelId="{DC236BC7-45FE-4162-A146-F4C9FB3E43EC}" type="presParOf" srcId="{E2DAA100-8FFD-4488-858B-6033D7CE8587}" destId="{8A23FB50-195A-48F1-944A-280F62127D34}" srcOrd="0" destOrd="0" presId="urn:microsoft.com/office/officeart/2005/8/layout/orgChart1"/>
+    <dgm:cxn modelId="{E0644FC2-25FF-4A02-955E-5F3AB5167C71}" type="presParOf" srcId="{E2DAA100-8FFD-4488-858B-6033D7CE8587}" destId="{AB1A8BE8-B449-4A2C-B62D-103C8D9973A8}" srcOrd="1" destOrd="0" presId="urn:microsoft.com/office/officeart/2005/8/layout/orgChart1"/>
+    <dgm:cxn modelId="{387330BC-9A4D-4265-8409-3B8FF1B8C66B}" type="presParOf" srcId="{3ECA99BC-8F50-49E3-B8B6-51FCFEC7BB66}" destId="{CE9F4E28-3BDA-4CC4-A1F0-F6DF430F78CC}" srcOrd="1" destOrd="0" presId="urn:microsoft.com/office/officeart/2005/8/layout/orgChart1"/>
+    <dgm:cxn modelId="{E05C78D9-904B-4DF2-BF7B-9AB781F8A823}" type="presParOf" srcId="{CE9F4E28-3BDA-4CC4-A1F0-F6DF430F78CC}" destId="{369B8DBF-0DE6-4A8E-BE42-62C5F2B3B683}" srcOrd="0" destOrd="0" presId="urn:microsoft.com/office/officeart/2005/8/layout/orgChart1"/>
+    <dgm:cxn modelId="{AD98C5C2-6095-4B3F-828C-978C43C548D2}" type="presParOf" srcId="{CE9F4E28-3BDA-4CC4-A1F0-F6DF430F78CC}" destId="{7A2A93AA-7C8D-46C4-8149-C73D125224AF}" srcOrd="1" destOrd="0" presId="urn:microsoft.com/office/officeart/2005/8/layout/orgChart1"/>
+    <dgm:cxn modelId="{B594D22C-09BD-466A-BADB-1E328B1E7B47}" type="presParOf" srcId="{7A2A93AA-7C8D-46C4-8149-C73D125224AF}" destId="{2C302587-61B7-46AB-B404-1386BE5E3650}" srcOrd="0" destOrd="0" presId="urn:microsoft.com/office/officeart/2005/8/layout/orgChart1"/>
+    <dgm:cxn modelId="{6ADF8CC4-BC50-4ABE-ABE9-4A3F337CF4F7}" type="presParOf" srcId="{2C302587-61B7-46AB-B404-1386BE5E3650}" destId="{70C84585-4B11-44D7-8B09-8A8E107AC519}" srcOrd="0" destOrd="0" presId="urn:microsoft.com/office/officeart/2005/8/layout/orgChart1"/>
+    <dgm:cxn modelId="{A62FA63C-62EC-4369-B7D5-F374F38CD40F}" type="presParOf" srcId="{2C302587-61B7-46AB-B404-1386BE5E3650}" destId="{19BF48E0-6394-4380-921C-573B50BE1283}" srcOrd="1" destOrd="0" presId="urn:microsoft.com/office/officeart/2005/8/layout/orgChart1"/>
+    <dgm:cxn modelId="{9D89FC66-2DD1-4958-90D6-7DB007E47F39}" type="presParOf" srcId="{7A2A93AA-7C8D-46C4-8149-C73D125224AF}" destId="{AF9A1593-0916-429B-BADD-50AE6F4AF0FC}" srcOrd="1" destOrd="0" presId="urn:microsoft.com/office/officeart/2005/8/layout/orgChart1"/>
+    <dgm:cxn modelId="{9C62CCF9-E5C6-417B-AF84-48701C6AC9E1}" type="presParOf" srcId="{7A2A93AA-7C8D-46C4-8149-C73D125224AF}" destId="{37FD9001-1CC4-4C06-82B5-667E9E2A0FC4}" srcOrd="2" destOrd="0" presId="urn:microsoft.com/office/officeart/2005/8/layout/orgChart1"/>
+    <dgm:cxn modelId="{4C5B17AF-4763-42E5-9263-0BA012FFF5F9}" type="presParOf" srcId="{CE9F4E28-3BDA-4CC4-A1F0-F6DF430F78CC}" destId="{BAF03171-743F-44EA-8B9D-E60205AEB0EC}" srcOrd="2" destOrd="0" presId="urn:microsoft.com/office/officeart/2005/8/layout/orgChart1"/>
+    <dgm:cxn modelId="{3639DA15-677B-4CE2-BCD1-3A844A8355D1}" type="presParOf" srcId="{CE9F4E28-3BDA-4CC4-A1F0-F6DF430F78CC}" destId="{BE52C3EB-2B18-4D1B-AC05-AC989A7A3220}" srcOrd="3" destOrd="0" presId="urn:microsoft.com/office/officeart/2005/8/layout/orgChart1"/>
+    <dgm:cxn modelId="{99ED8391-B07D-41C7-97B8-4D5991399864}" type="presParOf" srcId="{BE52C3EB-2B18-4D1B-AC05-AC989A7A3220}" destId="{C020E8F3-00B7-4C76-BC5B-4B42BD5AFAC0}" srcOrd="0" destOrd="0" presId="urn:microsoft.com/office/officeart/2005/8/layout/orgChart1"/>
+    <dgm:cxn modelId="{45145933-786D-4B2F-A3FB-4D2B32308577}" type="presParOf" srcId="{C020E8F3-00B7-4C76-BC5B-4B42BD5AFAC0}" destId="{6D76F778-BC2B-449A-A2B8-ABDE4553779A}" srcOrd="0" destOrd="0" presId="urn:microsoft.com/office/officeart/2005/8/layout/orgChart1"/>
+    <dgm:cxn modelId="{AB567B76-287E-452D-BCAE-31239FF7B2C9}" type="presParOf" srcId="{C020E8F3-00B7-4C76-BC5B-4B42BD5AFAC0}" destId="{5F62183B-1F3B-4564-9333-4D54B90B98FD}" srcOrd="1" destOrd="0" presId="urn:microsoft.com/office/officeart/2005/8/layout/orgChart1"/>
+    <dgm:cxn modelId="{A68D3392-B5E3-44EE-95E2-A604D1EBBEA0}" type="presParOf" srcId="{BE52C3EB-2B18-4D1B-AC05-AC989A7A3220}" destId="{EAFD3836-4653-48EB-8C19-72D5ECBEAF84}" srcOrd="1" destOrd="0" presId="urn:microsoft.com/office/officeart/2005/8/layout/orgChart1"/>
+    <dgm:cxn modelId="{F8294CE3-2440-42D5-AB78-957D1EAB9000}" type="presParOf" srcId="{BE52C3EB-2B18-4D1B-AC05-AC989A7A3220}" destId="{BF5C0DEB-1015-4724-BFAB-1FD1AD237868}" srcOrd="2" destOrd="0" presId="urn:microsoft.com/office/officeart/2005/8/layout/orgChart1"/>
+    <dgm:cxn modelId="{A0D08166-A05C-4000-9245-D66B5E453950}" type="presParOf" srcId="{CE9F4E28-3BDA-4CC4-A1F0-F6DF430F78CC}" destId="{DD667EEE-07EB-4603-8F24-93C680AE968A}" srcOrd="4" destOrd="0" presId="urn:microsoft.com/office/officeart/2005/8/layout/orgChart1"/>
+    <dgm:cxn modelId="{47FB7B94-B067-4CF5-907A-4E2CE7BCAF8C}" type="presParOf" srcId="{CE9F4E28-3BDA-4CC4-A1F0-F6DF430F78CC}" destId="{6B1F6C8D-D719-4550-96A1-DE61063D8520}" srcOrd="5" destOrd="0" presId="urn:microsoft.com/office/officeart/2005/8/layout/orgChart1"/>
+    <dgm:cxn modelId="{2B18A2EA-747F-4BA9-BC3C-67AA6145226C}" type="presParOf" srcId="{6B1F6C8D-D719-4550-96A1-DE61063D8520}" destId="{749D6574-158C-4921-B9D4-77A285293615}" srcOrd="0" destOrd="0" presId="urn:microsoft.com/office/officeart/2005/8/layout/orgChart1"/>
+    <dgm:cxn modelId="{7E519619-FF40-40D8-9790-7EA3AF8486D1}" type="presParOf" srcId="{749D6574-158C-4921-B9D4-77A285293615}" destId="{5D0604CE-213A-4684-8BBF-D4B40AD66A26}" srcOrd="0" destOrd="0" presId="urn:microsoft.com/office/officeart/2005/8/layout/orgChart1"/>
+    <dgm:cxn modelId="{3FB39B59-F899-420A-A9C7-0DAAD56E7690}" type="presParOf" srcId="{749D6574-158C-4921-B9D4-77A285293615}" destId="{DE8B162A-1A60-4B66-9B83-321A13B8ABEC}" srcOrd="1" destOrd="0" presId="urn:microsoft.com/office/officeart/2005/8/layout/orgChart1"/>
+    <dgm:cxn modelId="{CBF0EFA8-3B2A-440B-B780-DAFAB5143335}" type="presParOf" srcId="{6B1F6C8D-D719-4550-96A1-DE61063D8520}" destId="{797EAFD4-CFB6-4B9B-919A-484F16E558EB}" srcOrd="1" destOrd="0" presId="urn:microsoft.com/office/officeart/2005/8/layout/orgChart1"/>
+    <dgm:cxn modelId="{916B7512-8257-4EBD-B19F-6C0004345EE0}" type="presParOf" srcId="{6B1F6C8D-D719-4550-96A1-DE61063D8520}" destId="{2EF57AC2-1310-41B8-84DA-9DEC65060017}" srcOrd="2" destOrd="0" presId="urn:microsoft.com/office/officeart/2005/8/layout/orgChart1"/>
+    <dgm:cxn modelId="{BC3434A1-EC6B-4B03-83D8-898DDEE45D24}" type="presParOf" srcId="{CE9F4E28-3BDA-4CC4-A1F0-F6DF430F78CC}" destId="{7405E4C0-93C6-4B0D-A9ED-459FB3B4FD35}" srcOrd="6" destOrd="0" presId="urn:microsoft.com/office/officeart/2005/8/layout/orgChart1"/>
+    <dgm:cxn modelId="{18C5E347-9BDA-4B90-A193-F8C5D954EA61}" type="presParOf" srcId="{CE9F4E28-3BDA-4CC4-A1F0-F6DF430F78CC}" destId="{D9AB4213-5EEF-47C2-9B29-8BB392CB7D64}" srcOrd="7" destOrd="0" presId="urn:microsoft.com/office/officeart/2005/8/layout/orgChart1"/>
+    <dgm:cxn modelId="{F6A46151-C1AF-417E-8B7D-BD6AE8EA2B4F}" type="presParOf" srcId="{D9AB4213-5EEF-47C2-9B29-8BB392CB7D64}" destId="{613247E3-0A54-4B94-8A18-FD60FBD90EB4}" srcOrd="0" destOrd="0" presId="urn:microsoft.com/office/officeart/2005/8/layout/orgChart1"/>
+    <dgm:cxn modelId="{2A8E6E1D-4A17-4AF2-8AC0-C7C1C8C6B445}" type="presParOf" srcId="{613247E3-0A54-4B94-8A18-FD60FBD90EB4}" destId="{2DA99311-C7B6-497F-8EB4-D03757E8CB75}" srcOrd="0" destOrd="0" presId="urn:microsoft.com/office/officeart/2005/8/layout/orgChart1"/>
+    <dgm:cxn modelId="{D0A2D303-25AD-48C8-ADC7-E547CFD13427}" type="presParOf" srcId="{613247E3-0A54-4B94-8A18-FD60FBD90EB4}" destId="{0E80A1C6-F478-4D6E-A6E2-C4943003C3C5}" srcOrd="1" destOrd="0" presId="urn:microsoft.com/office/officeart/2005/8/layout/orgChart1"/>
+    <dgm:cxn modelId="{39E94672-7F67-490D-92F3-C780DF01A3F2}" type="presParOf" srcId="{D9AB4213-5EEF-47C2-9B29-8BB392CB7D64}" destId="{77F5553C-1432-45C8-B924-DA304F000C4E}" srcOrd="1" destOrd="0" presId="urn:microsoft.com/office/officeart/2005/8/layout/orgChart1"/>
+    <dgm:cxn modelId="{822ED3A4-CF0F-4EA8-AB61-89B4792627C2}" type="presParOf" srcId="{D9AB4213-5EEF-47C2-9B29-8BB392CB7D64}" destId="{92BCEE57-4130-4E60-AE87-0182C7455888}" srcOrd="2" destOrd="0" presId="urn:microsoft.com/office/officeart/2005/8/layout/orgChart1"/>
+    <dgm:cxn modelId="{009FB970-9DB1-47ED-A91F-B6E18C7B3E84}" type="presParOf" srcId="{3ECA99BC-8F50-49E3-B8B6-51FCFEC7BB66}" destId="{E5C0F265-2618-45ED-82D9-069062504FBC}" srcOrd="2" destOrd="0" presId="urn:microsoft.com/office/officeart/2005/8/layout/orgChart1"/>
     <dgm:cxn modelId="{E3DC0216-5E51-4D88-AB49-4B1C1FDDA384}" type="presParOf" srcId="{CDF04866-5570-4B1D-942A-7405DC0C704D}" destId="{3D2EA382-AE32-48D1-AD88-B324B9D3C2EE}" srcOrd="2" destOrd="0" presId="urn:microsoft.com/office/officeart/2005/8/layout/orgChart1"/>
     <dgm:cxn modelId="{71A26429-ED14-4D33-89B5-2C705039FF84}" type="presParOf" srcId="{CEB30797-B19C-463B-9844-4E8083C4303F}" destId="{98770C21-18D4-49D4-9ECA-6E9E172039FA}" srcOrd="2" destOrd="0" presId="urn:microsoft.com/office/officeart/2005/8/layout/orgChart1"/>
     <dgm:cxn modelId="{DEE089B0-1713-457E-B7C8-C7A9CF0405CD}" type="presParOf" srcId="{CEB30797-B19C-463B-9844-4E8083C4303F}" destId="{AF3732BF-D7CB-49F0-84BA-84DC7AC83390}" srcOrd="3" destOrd="0" presId="urn:microsoft.com/office/officeart/2005/8/layout/orgChart1"/>
@@ -3348,6 +3809,288 @@
         <a:fontRef idx="minor"/>
       </dsp:style>
     </dsp:sp>
+    <dsp:sp modelId="{7405E4C0-93C6-4B0D-A9ED-459FB3B4FD35}">
+      <dsp:nvSpPr>
+        <dsp:cNvPr id="0" name=""/>
+        <dsp:cNvSpPr/>
+      </dsp:nvSpPr>
+      <dsp:spPr>
+        <a:xfrm>
+          <a:off x="1620810" y="2074028"/>
+          <a:ext cx="161958" cy="2796487"/>
+        </a:xfrm>
+        <a:custGeom>
+          <a:avLst/>
+          <a:gdLst/>
+          <a:ahLst/>
+          <a:cxnLst/>
+          <a:rect l="0" t="0" r="0" b="0"/>
+          <a:pathLst>
+            <a:path>
+              <a:moveTo>
+                <a:pt x="0" y="0"/>
+              </a:moveTo>
+              <a:lnTo>
+                <a:pt x="0" y="2796487"/>
+              </a:lnTo>
+              <a:lnTo>
+                <a:pt x="161958" y="2796487"/>
+              </a:lnTo>
+            </a:path>
+          </a:pathLst>
+        </a:custGeom>
+        <a:noFill/>
+        <a:ln w="6350" cap="flat" cmpd="sng" algn="in">
+          <a:solidFill>
+            <a:schemeClr val="accent2">
+              <a:hueOff val="0"/>
+              <a:satOff val="0"/>
+              <a:lumOff val="0"/>
+              <a:alphaOff val="0"/>
+            </a:schemeClr>
+          </a:solidFill>
+          <a:prstDash val="solid"/>
+        </a:ln>
+        <a:effectLst/>
+      </dsp:spPr>
+      <dsp:style>
+        <a:lnRef idx="1">
+          <a:scrgbClr r="0" g="0" b="0"/>
+        </a:lnRef>
+        <a:fillRef idx="0">
+          <a:scrgbClr r="0" g="0" b="0"/>
+        </a:fillRef>
+        <a:effectRef idx="0">
+          <a:scrgbClr r="0" g="0" b="0"/>
+        </a:effectRef>
+        <a:fontRef idx="minor"/>
+      </dsp:style>
+    </dsp:sp>
+    <dsp:sp modelId="{DD667EEE-07EB-4603-8F24-93C680AE968A}">
+      <dsp:nvSpPr>
+        <dsp:cNvPr id="0" name=""/>
+        <dsp:cNvSpPr/>
+      </dsp:nvSpPr>
+      <dsp:spPr>
+        <a:xfrm>
+          <a:off x="1620810" y="2074028"/>
+          <a:ext cx="161958" cy="2029882"/>
+        </a:xfrm>
+        <a:custGeom>
+          <a:avLst/>
+          <a:gdLst/>
+          <a:ahLst/>
+          <a:cxnLst/>
+          <a:rect l="0" t="0" r="0" b="0"/>
+          <a:pathLst>
+            <a:path>
+              <a:moveTo>
+                <a:pt x="0" y="0"/>
+              </a:moveTo>
+              <a:lnTo>
+                <a:pt x="0" y="2029882"/>
+              </a:lnTo>
+              <a:lnTo>
+                <a:pt x="161958" y="2029882"/>
+              </a:lnTo>
+            </a:path>
+          </a:pathLst>
+        </a:custGeom>
+        <a:noFill/>
+        <a:ln w="6350" cap="flat" cmpd="sng" algn="in">
+          <a:solidFill>
+            <a:schemeClr val="accent2">
+              <a:hueOff val="0"/>
+              <a:satOff val="0"/>
+              <a:lumOff val="0"/>
+              <a:alphaOff val="0"/>
+            </a:schemeClr>
+          </a:solidFill>
+          <a:prstDash val="solid"/>
+        </a:ln>
+        <a:effectLst/>
+      </dsp:spPr>
+      <dsp:style>
+        <a:lnRef idx="1">
+          <a:scrgbClr r="0" g="0" b="0"/>
+        </a:lnRef>
+        <a:fillRef idx="0">
+          <a:scrgbClr r="0" g="0" b="0"/>
+        </a:fillRef>
+        <a:effectRef idx="0">
+          <a:scrgbClr r="0" g="0" b="0"/>
+        </a:effectRef>
+        <a:fontRef idx="minor"/>
+      </dsp:style>
+    </dsp:sp>
+    <dsp:sp modelId="{BAF03171-743F-44EA-8B9D-E60205AEB0EC}">
+      <dsp:nvSpPr>
+        <dsp:cNvPr id="0" name=""/>
+        <dsp:cNvSpPr/>
+      </dsp:nvSpPr>
+      <dsp:spPr>
+        <a:xfrm>
+          <a:off x="1620810" y="2074028"/>
+          <a:ext cx="161958" cy="1263278"/>
+        </a:xfrm>
+        <a:custGeom>
+          <a:avLst/>
+          <a:gdLst/>
+          <a:ahLst/>
+          <a:cxnLst/>
+          <a:rect l="0" t="0" r="0" b="0"/>
+          <a:pathLst>
+            <a:path>
+              <a:moveTo>
+                <a:pt x="0" y="0"/>
+              </a:moveTo>
+              <a:lnTo>
+                <a:pt x="0" y="1263278"/>
+              </a:lnTo>
+              <a:lnTo>
+                <a:pt x="161958" y="1263278"/>
+              </a:lnTo>
+            </a:path>
+          </a:pathLst>
+        </a:custGeom>
+        <a:noFill/>
+        <a:ln w="6350" cap="flat" cmpd="sng" algn="in">
+          <a:solidFill>
+            <a:schemeClr val="accent2">
+              <a:hueOff val="0"/>
+              <a:satOff val="0"/>
+              <a:lumOff val="0"/>
+              <a:alphaOff val="0"/>
+            </a:schemeClr>
+          </a:solidFill>
+          <a:prstDash val="solid"/>
+        </a:ln>
+        <a:effectLst/>
+      </dsp:spPr>
+      <dsp:style>
+        <a:lnRef idx="1">
+          <a:scrgbClr r="0" g="0" b="0"/>
+        </a:lnRef>
+        <a:fillRef idx="0">
+          <a:scrgbClr r="0" g="0" b="0"/>
+        </a:fillRef>
+        <a:effectRef idx="0">
+          <a:scrgbClr r="0" g="0" b="0"/>
+        </a:effectRef>
+        <a:fontRef idx="minor"/>
+      </dsp:style>
+    </dsp:sp>
+    <dsp:sp modelId="{369B8DBF-0DE6-4A8E-BE42-62C5F2B3B683}">
+      <dsp:nvSpPr>
+        <dsp:cNvPr id="0" name=""/>
+        <dsp:cNvSpPr/>
+      </dsp:nvSpPr>
+      <dsp:spPr>
+        <a:xfrm>
+          <a:off x="1620810" y="2074028"/>
+          <a:ext cx="161958" cy="496673"/>
+        </a:xfrm>
+        <a:custGeom>
+          <a:avLst/>
+          <a:gdLst/>
+          <a:ahLst/>
+          <a:cxnLst/>
+          <a:rect l="0" t="0" r="0" b="0"/>
+          <a:pathLst>
+            <a:path>
+              <a:moveTo>
+                <a:pt x="0" y="0"/>
+              </a:moveTo>
+              <a:lnTo>
+                <a:pt x="0" y="496673"/>
+              </a:lnTo>
+              <a:lnTo>
+                <a:pt x="161958" y="496673"/>
+              </a:lnTo>
+            </a:path>
+          </a:pathLst>
+        </a:custGeom>
+        <a:noFill/>
+        <a:ln w="6350" cap="flat" cmpd="sng" algn="in">
+          <a:solidFill>
+            <a:schemeClr val="accent2">
+              <a:hueOff val="0"/>
+              <a:satOff val="0"/>
+              <a:lumOff val="0"/>
+              <a:alphaOff val="0"/>
+            </a:schemeClr>
+          </a:solidFill>
+          <a:prstDash val="solid"/>
+        </a:ln>
+        <a:effectLst/>
+      </dsp:spPr>
+      <dsp:style>
+        <a:lnRef idx="1">
+          <a:scrgbClr r="0" g="0" b="0"/>
+        </a:lnRef>
+        <a:fillRef idx="0">
+          <a:scrgbClr r="0" g="0" b="0"/>
+        </a:fillRef>
+        <a:effectRef idx="0">
+          <a:scrgbClr r="0" g="0" b="0"/>
+        </a:effectRef>
+        <a:fontRef idx="minor"/>
+      </dsp:style>
+    </dsp:sp>
+    <dsp:sp modelId="{9105FE60-D84F-466E-8133-0B9C7DB7410B}">
+      <dsp:nvSpPr>
+        <dsp:cNvPr id="0" name=""/>
+        <dsp:cNvSpPr/>
+      </dsp:nvSpPr>
+      <dsp:spPr>
+        <a:xfrm>
+          <a:off x="2006980" y="1307423"/>
+          <a:ext cx="91440" cy="226742"/>
+        </a:xfrm>
+        <a:custGeom>
+          <a:avLst/>
+          <a:gdLst/>
+          <a:ahLst/>
+          <a:cxnLst/>
+          <a:rect l="0" t="0" r="0" b="0"/>
+          <a:pathLst>
+            <a:path>
+              <a:moveTo>
+                <a:pt x="45720" y="0"/>
+              </a:moveTo>
+              <a:lnTo>
+                <a:pt x="45720" y="226742"/>
+              </a:lnTo>
+            </a:path>
+          </a:pathLst>
+        </a:custGeom>
+        <a:noFill/>
+        <a:ln w="6350" cap="flat" cmpd="sng" algn="in">
+          <a:solidFill>
+            <a:schemeClr val="accent1">
+              <a:hueOff val="0"/>
+              <a:satOff val="0"/>
+              <a:lumOff val="0"/>
+              <a:alphaOff val="0"/>
+            </a:schemeClr>
+          </a:solidFill>
+          <a:prstDash val="solid"/>
+        </a:ln>
+        <a:effectLst/>
+      </dsp:spPr>
+      <dsp:style>
+        <a:lnRef idx="1">
+          <a:scrgbClr r="0" g="0" b="0"/>
+        </a:lnRef>
+        <a:fillRef idx="0">
+          <a:scrgbClr r="0" g="0" b="0"/>
+        </a:fillRef>
+        <a:effectRef idx="0">
+          <a:scrgbClr r="0" g="0" b="0"/>
+        </a:effectRef>
+        <a:fontRef idx="minor"/>
+      </dsp:style>
+    </dsp:sp>
     <dsp:sp modelId="{E7E109ED-4F40-49FC-8106-2ED71AAA3EC6}">
       <dsp:nvSpPr>
         <dsp:cNvPr id="0" name=""/>
@@ -3613,6 +4356,532 @@
       </dsp:txBody>
       <dsp:txXfrm>
         <a:off x="1512838" y="767561"/>
+        <a:ext cx="1079724" cy="539862"/>
+      </dsp:txXfrm>
+    </dsp:sp>
+    <dsp:sp modelId="{8A23FB50-195A-48F1-944A-280F62127D34}">
+      <dsp:nvSpPr>
+        <dsp:cNvPr id="0" name=""/>
+        <dsp:cNvSpPr/>
+      </dsp:nvSpPr>
+      <dsp:spPr>
+        <a:xfrm>
+          <a:off x="1512838" y="1534165"/>
+          <a:ext cx="1079724" cy="539862"/>
+        </a:xfrm>
+        <a:prstGeom prst="rect">
+          <a:avLst/>
+        </a:prstGeom>
+        <a:gradFill rotWithShape="0">
+          <a:gsLst>
+            <a:gs pos="0">
+              <a:schemeClr val="accent1">
+                <a:hueOff val="0"/>
+                <a:satOff val="0"/>
+                <a:lumOff val="0"/>
+                <a:alphaOff val="0"/>
+                <a:tint val="94000"/>
+                <a:satMod val="103000"/>
+                <a:lumMod val="102000"/>
+              </a:schemeClr>
+            </a:gs>
+            <a:gs pos="50000">
+              <a:schemeClr val="accent1">
+                <a:hueOff val="0"/>
+                <a:satOff val="0"/>
+                <a:lumOff val="0"/>
+                <a:alphaOff val="0"/>
+                <a:shade val="100000"/>
+                <a:satMod val="110000"/>
+                <a:lumMod val="100000"/>
+              </a:schemeClr>
+            </a:gs>
+            <a:gs pos="100000">
+              <a:schemeClr val="accent1">
+                <a:hueOff val="0"/>
+                <a:satOff val="0"/>
+                <a:lumOff val="0"/>
+                <a:alphaOff val="0"/>
+                <a:shade val="78000"/>
+                <a:satMod val="120000"/>
+                <a:lumMod val="99000"/>
+              </a:schemeClr>
+            </a:gs>
+          </a:gsLst>
+          <a:lin ang="5400000" scaled="0"/>
+        </a:gradFill>
+        <a:ln>
+          <a:noFill/>
+        </a:ln>
+        <a:effectLst/>
+      </dsp:spPr>
+      <dsp:style>
+        <a:lnRef idx="0">
+          <a:scrgbClr r="0" g="0" b="0"/>
+        </a:lnRef>
+        <a:fillRef idx="3">
+          <a:scrgbClr r="0" g="0" b="0"/>
+        </a:fillRef>
+        <a:effectRef idx="2">
+          <a:scrgbClr r="0" g="0" b="0"/>
+        </a:effectRef>
+        <a:fontRef idx="minor">
+          <a:schemeClr val="lt1"/>
+        </a:fontRef>
+      </dsp:style>
+      <dsp:txBody>
+        <a:bodyPr spcFirstLastPara="0" vert="horz" wrap="square" lIns="7620" tIns="7620" rIns="7620" bIns="7620" numCol="1" spcCol="1270" anchor="ctr" anchorCtr="0">
+          <a:noAutofit/>
+        </a:bodyPr>
+        <a:lstStyle/>
+        <a:p>
+          <a:pPr marL="0" lvl="0" indent="0" algn="ctr" defTabSz="533400" latinLnBrk="1">
+            <a:lnSpc>
+              <a:spcPct val="90000"/>
+            </a:lnSpc>
+            <a:spcBef>
+              <a:spcPct val="0"/>
+            </a:spcBef>
+            <a:spcAft>
+              <a:spcPct val="35000"/>
+            </a:spcAft>
+            <a:buNone/>
+          </a:pPr>
+          <a:r>
+            <a:rPr lang="ko-KR" altLang="en-US" sz="1200" kern="1200" dirty="0">
+              <a:latin typeface="+mj-ea"/>
+              <a:ea typeface="+mj-ea"/>
+            </a:rPr>
+            <a:t>메뉴</a:t>
+          </a:r>
+        </a:p>
+      </dsp:txBody>
+      <dsp:txXfrm>
+        <a:off x="1512838" y="1534165"/>
+        <a:ext cx="1079724" cy="539862"/>
+      </dsp:txXfrm>
+    </dsp:sp>
+    <dsp:sp modelId="{70C84585-4B11-44D7-8B09-8A8E107AC519}">
+      <dsp:nvSpPr>
+        <dsp:cNvPr id="0" name=""/>
+        <dsp:cNvSpPr/>
+      </dsp:nvSpPr>
+      <dsp:spPr>
+        <a:xfrm>
+          <a:off x="1782769" y="2300770"/>
+          <a:ext cx="1079724" cy="539862"/>
+        </a:xfrm>
+        <a:prstGeom prst="rect">
+          <a:avLst/>
+        </a:prstGeom>
+        <a:gradFill rotWithShape="0">
+          <a:gsLst>
+            <a:gs pos="0">
+              <a:schemeClr val="accent2">
+                <a:hueOff val="0"/>
+                <a:satOff val="0"/>
+                <a:lumOff val="0"/>
+                <a:alphaOff val="0"/>
+                <a:tint val="94000"/>
+                <a:satMod val="103000"/>
+                <a:lumMod val="102000"/>
+              </a:schemeClr>
+            </a:gs>
+            <a:gs pos="50000">
+              <a:schemeClr val="accent2">
+                <a:hueOff val="0"/>
+                <a:satOff val="0"/>
+                <a:lumOff val="0"/>
+                <a:alphaOff val="0"/>
+                <a:shade val="100000"/>
+                <a:satMod val="110000"/>
+                <a:lumMod val="100000"/>
+              </a:schemeClr>
+            </a:gs>
+            <a:gs pos="100000">
+              <a:schemeClr val="accent2">
+                <a:hueOff val="0"/>
+                <a:satOff val="0"/>
+                <a:lumOff val="0"/>
+                <a:alphaOff val="0"/>
+                <a:shade val="78000"/>
+                <a:satMod val="120000"/>
+                <a:lumMod val="99000"/>
+              </a:schemeClr>
+            </a:gs>
+          </a:gsLst>
+          <a:lin ang="5400000" scaled="0"/>
+        </a:gradFill>
+        <a:ln>
+          <a:noFill/>
+        </a:ln>
+        <a:effectLst/>
+      </dsp:spPr>
+      <dsp:style>
+        <a:lnRef idx="0">
+          <a:scrgbClr r="0" g="0" b="0"/>
+        </a:lnRef>
+        <a:fillRef idx="3">
+          <a:scrgbClr r="0" g="0" b="0"/>
+        </a:fillRef>
+        <a:effectRef idx="2">
+          <a:scrgbClr r="0" g="0" b="0"/>
+        </a:effectRef>
+        <a:fontRef idx="minor">
+          <a:schemeClr val="lt1"/>
+        </a:fontRef>
+      </dsp:style>
+      <dsp:txBody>
+        <a:bodyPr spcFirstLastPara="0" vert="horz" wrap="square" lIns="7620" tIns="7620" rIns="7620" bIns="7620" numCol="1" spcCol="1270" anchor="ctr" anchorCtr="0">
+          <a:noAutofit/>
+        </a:bodyPr>
+        <a:lstStyle/>
+        <a:p>
+          <a:pPr marL="0" lvl="0" indent="0" algn="ctr" defTabSz="533400" latinLnBrk="1">
+            <a:lnSpc>
+              <a:spcPct val="90000"/>
+            </a:lnSpc>
+            <a:spcBef>
+              <a:spcPct val="0"/>
+            </a:spcBef>
+            <a:spcAft>
+              <a:spcPct val="35000"/>
+            </a:spcAft>
+            <a:buNone/>
+          </a:pPr>
+          <a:r>
+            <a:rPr lang="en-US" altLang="ko-KR" sz="1200" kern="1200" dirty="0">
+              <a:latin typeface="+mj-ea"/>
+              <a:ea typeface="+mj-ea"/>
+            </a:rPr>
+            <a:t>HOME</a:t>
+          </a:r>
+          <a:endParaRPr lang="ko-KR" altLang="en-US" sz="1200" kern="1200" dirty="0">
+            <a:latin typeface="+mj-ea"/>
+            <a:ea typeface="+mj-ea"/>
+          </a:endParaRPr>
+        </a:p>
+      </dsp:txBody>
+      <dsp:txXfrm>
+        <a:off x="1782769" y="2300770"/>
+        <a:ext cx="1079724" cy="539862"/>
+      </dsp:txXfrm>
+    </dsp:sp>
+    <dsp:sp modelId="{6D76F778-BC2B-449A-A2B8-ABDE4553779A}">
+      <dsp:nvSpPr>
+        <dsp:cNvPr id="0" name=""/>
+        <dsp:cNvSpPr/>
+      </dsp:nvSpPr>
+      <dsp:spPr>
+        <a:xfrm>
+          <a:off x="1782769" y="3067374"/>
+          <a:ext cx="1079724" cy="539862"/>
+        </a:xfrm>
+        <a:prstGeom prst="rect">
+          <a:avLst/>
+        </a:prstGeom>
+        <a:gradFill rotWithShape="0">
+          <a:gsLst>
+            <a:gs pos="0">
+              <a:schemeClr val="accent2">
+                <a:hueOff val="0"/>
+                <a:satOff val="0"/>
+                <a:lumOff val="0"/>
+                <a:alphaOff val="0"/>
+                <a:tint val="94000"/>
+                <a:satMod val="103000"/>
+                <a:lumMod val="102000"/>
+              </a:schemeClr>
+            </a:gs>
+            <a:gs pos="50000">
+              <a:schemeClr val="accent2">
+                <a:hueOff val="0"/>
+                <a:satOff val="0"/>
+                <a:lumOff val="0"/>
+                <a:alphaOff val="0"/>
+                <a:shade val="100000"/>
+                <a:satMod val="110000"/>
+                <a:lumMod val="100000"/>
+              </a:schemeClr>
+            </a:gs>
+            <a:gs pos="100000">
+              <a:schemeClr val="accent2">
+                <a:hueOff val="0"/>
+                <a:satOff val="0"/>
+                <a:lumOff val="0"/>
+                <a:alphaOff val="0"/>
+                <a:shade val="78000"/>
+                <a:satMod val="120000"/>
+                <a:lumMod val="99000"/>
+              </a:schemeClr>
+            </a:gs>
+          </a:gsLst>
+          <a:lin ang="5400000" scaled="0"/>
+        </a:gradFill>
+        <a:ln>
+          <a:noFill/>
+        </a:ln>
+        <a:effectLst/>
+      </dsp:spPr>
+      <dsp:style>
+        <a:lnRef idx="0">
+          <a:scrgbClr r="0" g="0" b="0"/>
+        </a:lnRef>
+        <a:fillRef idx="3">
+          <a:scrgbClr r="0" g="0" b="0"/>
+        </a:fillRef>
+        <a:effectRef idx="2">
+          <a:scrgbClr r="0" g="0" b="0"/>
+        </a:effectRef>
+        <a:fontRef idx="minor">
+          <a:schemeClr val="lt1"/>
+        </a:fontRef>
+      </dsp:style>
+      <dsp:txBody>
+        <a:bodyPr spcFirstLastPara="0" vert="horz" wrap="square" lIns="7620" tIns="7620" rIns="7620" bIns="7620" numCol="1" spcCol="1270" anchor="ctr" anchorCtr="0">
+          <a:noAutofit/>
+        </a:bodyPr>
+        <a:lstStyle/>
+        <a:p>
+          <a:pPr marL="0" lvl="0" indent="0" algn="ctr" defTabSz="533400" latinLnBrk="1">
+            <a:lnSpc>
+              <a:spcPct val="90000"/>
+            </a:lnSpc>
+            <a:spcBef>
+              <a:spcPct val="0"/>
+            </a:spcBef>
+            <a:spcAft>
+              <a:spcPct val="35000"/>
+            </a:spcAft>
+            <a:buNone/>
+          </a:pPr>
+          <a:r>
+            <a:rPr lang="en-US" altLang="ko-KR" sz="1200" kern="1200" dirty="0">
+              <a:latin typeface="+mj-ea"/>
+              <a:ea typeface="+mj-ea"/>
+            </a:rPr>
+            <a:t>ABOUT ME</a:t>
+          </a:r>
+          <a:endParaRPr lang="ko-KR" altLang="en-US" sz="1200" kern="1200" dirty="0">
+            <a:latin typeface="+mj-ea"/>
+            <a:ea typeface="+mj-ea"/>
+          </a:endParaRPr>
+        </a:p>
+      </dsp:txBody>
+      <dsp:txXfrm>
+        <a:off x="1782769" y="3067374"/>
+        <a:ext cx="1079724" cy="539862"/>
+      </dsp:txXfrm>
+    </dsp:sp>
+    <dsp:sp modelId="{5D0604CE-213A-4684-8BBF-D4B40AD66A26}">
+      <dsp:nvSpPr>
+        <dsp:cNvPr id="0" name=""/>
+        <dsp:cNvSpPr/>
+      </dsp:nvSpPr>
+      <dsp:spPr>
+        <a:xfrm>
+          <a:off x="1782769" y="3833979"/>
+          <a:ext cx="1079724" cy="539862"/>
+        </a:xfrm>
+        <a:prstGeom prst="rect">
+          <a:avLst/>
+        </a:prstGeom>
+        <a:gradFill rotWithShape="0">
+          <a:gsLst>
+            <a:gs pos="0">
+              <a:schemeClr val="accent2">
+                <a:hueOff val="0"/>
+                <a:satOff val="0"/>
+                <a:lumOff val="0"/>
+                <a:alphaOff val="0"/>
+                <a:tint val="94000"/>
+                <a:satMod val="103000"/>
+                <a:lumMod val="102000"/>
+              </a:schemeClr>
+            </a:gs>
+            <a:gs pos="50000">
+              <a:schemeClr val="accent2">
+                <a:hueOff val="0"/>
+                <a:satOff val="0"/>
+                <a:lumOff val="0"/>
+                <a:alphaOff val="0"/>
+                <a:shade val="100000"/>
+                <a:satMod val="110000"/>
+                <a:lumMod val="100000"/>
+              </a:schemeClr>
+            </a:gs>
+            <a:gs pos="100000">
+              <a:schemeClr val="accent2">
+                <a:hueOff val="0"/>
+                <a:satOff val="0"/>
+                <a:lumOff val="0"/>
+                <a:alphaOff val="0"/>
+                <a:shade val="78000"/>
+                <a:satMod val="120000"/>
+                <a:lumMod val="99000"/>
+              </a:schemeClr>
+            </a:gs>
+          </a:gsLst>
+          <a:lin ang="5400000" scaled="0"/>
+        </a:gradFill>
+        <a:ln>
+          <a:noFill/>
+        </a:ln>
+        <a:effectLst/>
+      </dsp:spPr>
+      <dsp:style>
+        <a:lnRef idx="0">
+          <a:scrgbClr r="0" g="0" b="0"/>
+        </a:lnRef>
+        <a:fillRef idx="3">
+          <a:scrgbClr r="0" g="0" b="0"/>
+        </a:fillRef>
+        <a:effectRef idx="2">
+          <a:scrgbClr r="0" g="0" b="0"/>
+        </a:effectRef>
+        <a:fontRef idx="minor">
+          <a:schemeClr val="lt1"/>
+        </a:fontRef>
+      </dsp:style>
+      <dsp:txBody>
+        <a:bodyPr spcFirstLastPara="0" vert="horz" wrap="square" lIns="7620" tIns="7620" rIns="7620" bIns="7620" numCol="1" spcCol="1270" anchor="ctr" anchorCtr="0">
+          <a:noAutofit/>
+        </a:bodyPr>
+        <a:lstStyle/>
+        <a:p>
+          <a:pPr marL="0" lvl="0" indent="0" algn="ctr" defTabSz="533400" latinLnBrk="1">
+            <a:lnSpc>
+              <a:spcPct val="90000"/>
+            </a:lnSpc>
+            <a:spcBef>
+              <a:spcPct val="0"/>
+            </a:spcBef>
+            <a:spcAft>
+              <a:spcPct val="35000"/>
+            </a:spcAft>
+            <a:buNone/>
+          </a:pPr>
+          <a:r>
+            <a:rPr lang="en-US" altLang="ko-KR" sz="1200" kern="1200" dirty="0">
+              <a:latin typeface="+mj-ea"/>
+              <a:ea typeface="+mj-ea"/>
+            </a:rPr>
+            <a:t>PRODUCTS</a:t>
+          </a:r>
+          <a:endParaRPr lang="ko-KR" altLang="en-US" sz="1200" kern="1200" dirty="0">
+            <a:latin typeface="+mj-ea"/>
+            <a:ea typeface="+mj-ea"/>
+          </a:endParaRPr>
+        </a:p>
+      </dsp:txBody>
+      <dsp:txXfrm>
+        <a:off x="1782769" y="3833979"/>
+        <a:ext cx="1079724" cy="539862"/>
+      </dsp:txXfrm>
+    </dsp:sp>
+    <dsp:sp modelId="{2DA99311-C7B6-497F-8EB4-D03757E8CB75}">
+      <dsp:nvSpPr>
+        <dsp:cNvPr id="0" name=""/>
+        <dsp:cNvSpPr/>
+      </dsp:nvSpPr>
+      <dsp:spPr>
+        <a:xfrm>
+          <a:off x="1782769" y="4600584"/>
+          <a:ext cx="1079724" cy="539862"/>
+        </a:xfrm>
+        <a:prstGeom prst="rect">
+          <a:avLst/>
+        </a:prstGeom>
+        <a:gradFill rotWithShape="0">
+          <a:gsLst>
+            <a:gs pos="0">
+              <a:schemeClr val="accent2">
+                <a:hueOff val="0"/>
+                <a:satOff val="0"/>
+                <a:lumOff val="0"/>
+                <a:alphaOff val="0"/>
+                <a:tint val="94000"/>
+                <a:satMod val="103000"/>
+                <a:lumMod val="102000"/>
+              </a:schemeClr>
+            </a:gs>
+            <a:gs pos="50000">
+              <a:schemeClr val="accent2">
+                <a:hueOff val="0"/>
+                <a:satOff val="0"/>
+                <a:lumOff val="0"/>
+                <a:alphaOff val="0"/>
+                <a:shade val="100000"/>
+                <a:satMod val="110000"/>
+                <a:lumMod val="100000"/>
+              </a:schemeClr>
+            </a:gs>
+            <a:gs pos="100000">
+              <a:schemeClr val="accent2">
+                <a:hueOff val="0"/>
+                <a:satOff val="0"/>
+                <a:lumOff val="0"/>
+                <a:alphaOff val="0"/>
+                <a:shade val="78000"/>
+                <a:satMod val="120000"/>
+                <a:lumMod val="99000"/>
+              </a:schemeClr>
+            </a:gs>
+          </a:gsLst>
+          <a:lin ang="5400000" scaled="0"/>
+        </a:gradFill>
+        <a:ln>
+          <a:noFill/>
+        </a:ln>
+        <a:effectLst/>
+      </dsp:spPr>
+      <dsp:style>
+        <a:lnRef idx="0">
+          <a:scrgbClr r="0" g="0" b="0"/>
+        </a:lnRef>
+        <a:fillRef idx="3">
+          <a:scrgbClr r="0" g="0" b="0"/>
+        </a:fillRef>
+        <a:effectRef idx="2">
+          <a:scrgbClr r="0" g="0" b="0"/>
+        </a:effectRef>
+        <a:fontRef idx="minor">
+          <a:schemeClr val="lt1"/>
+        </a:fontRef>
+      </dsp:style>
+      <dsp:txBody>
+        <a:bodyPr spcFirstLastPara="0" vert="horz" wrap="square" lIns="7620" tIns="7620" rIns="7620" bIns="7620" numCol="1" spcCol="1270" anchor="ctr" anchorCtr="0">
+          <a:noAutofit/>
+        </a:bodyPr>
+        <a:lstStyle/>
+        <a:p>
+          <a:pPr marL="0" lvl="0" indent="0" algn="ctr" defTabSz="533400" latinLnBrk="1">
+            <a:lnSpc>
+              <a:spcPct val="90000"/>
+            </a:lnSpc>
+            <a:spcBef>
+              <a:spcPct val="0"/>
+            </a:spcBef>
+            <a:spcAft>
+              <a:spcPct val="35000"/>
+            </a:spcAft>
+            <a:buNone/>
+          </a:pPr>
+          <a:r>
+            <a:rPr lang="en-US" altLang="ko-KR" sz="1200" kern="1200" dirty="0">
+              <a:latin typeface="+mj-ea"/>
+              <a:ea typeface="+mj-ea"/>
+            </a:rPr>
+            <a:t>CONTACT</a:t>
+          </a:r>
+          <a:endParaRPr lang="ko-KR" altLang="en-US" sz="1200" kern="1200" dirty="0">
+            <a:latin typeface="+mj-ea"/>
+            <a:ea typeface="+mj-ea"/>
+          </a:endParaRPr>
+        </a:p>
+      </dsp:txBody>
+      <dsp:txXfrm>
+        <a:off x="1782769" y="4600584"/>
         <a:ext cx="1079724" cy="539862"/>
       </dsp:txXfrm>
     </dsp:sp>
@@ -12876,7 +14145,7 @@
             <p:ph idx="1"/>
             <p:extLst>
               <p:ext uri="{D42A27DB-BD31-4B8C-83A1-F6EECF244321}">
-                <p14:modId xmlns:p14="http://schemas.microsoft.com/office/powerpoint/2010/main" val="2914593930"/>
+                <p14:modId xmlns:p14="http://schemas.microsoft.com/office/powerpoint/2010/main" val="4208099057"/>
               </p:ext>
             </p:extLst>
           </p:nvPr>
